--- a/papers/2024-ITAT-slides.pptx
+++ b/papers/2024-ITAT-slides.pptx
@@ -143,7 +143,7 @@
   </p:defaultTextStyle>
   <p:extLst>
     <p:ext uri="{EFAFB233-063F-42B5-8137-9DF3F51BA10A}">
-      <p15:sldGuideLst xmlns="" xmlns:p15="http://schemas.microsoft.com/office/powerpoint/2012/main">
+      <p15:sldGuideLst xmlns:p15="http://schemas.microsoft.com/office/powerpoint/2012/main" xmlns="">
         <p15:guide id="1" orient="horz" pos="1800" userDrawn="1">
           <p15:clr>
             <a:srgbClr val="A4A3A4"/>
@@ -4060,7 +4060,7 @@
           <p:cNvPr id="5" name="Picture 5">
             <a:extLst>
               <a:ext uri="{FF2B5EF4-FFF2-40B4-BE49-F238E27FC236}">
-                <a16:creationId xmlns:a16="http://schemas.microsoft.com/office/drawing/2014/main" xmlns="" id="{FAC0DD04-B8A4-45BE-9A0A-D0351BF74A8D}"/>
+                <a16:creationId xmlns="" xmlns:a16="http://schemas.microsoft.com/office/drawing/2014/main" id="{FAC0DD04-B8A4-45BE-9A0A-D0351BF74A8D}"/>
               </a:ext>
             </a:extLst>
           </p:cNvPr>
@@ -4107,7 +4107,7 @@
           <a:graphicData uri="http://schemas.openxmlformats.org/presentationml/2006/ole">
             <mc:AlternateContent xmlns:mc="http://schemas.openxmlformats.org/markup-compatibility/2006">
               <mc:Choice xmlns:v="urn:schemas-microsoft-com:vml" Requires="v">
-                <p:oleObj spid="_x0000_s1470" name="Acrobat Document" r:id="rId5" imgW="4400418" imgH="2533650" progId="AcroExch.Document.DC">
+                <p:oleObj spid="_x0000_s1473" name="Acrobat Document" r:id="rId5" imgW="4400418" imgH="2533650" progId="AcroExch.Document.DC">
                   <p:embed/>
                 </p:oleObj>
               </mc:Choice>
@@ -4255,7 +4255,7 @@
           <p:cNvPr id="11" name="TextBox 4">
             <a:extLst>
               <a:ext uri="{FF2B5EF4-FFF2-40B4-BE49-F238E27FC236}">
-                <a16:creationId xmlns:a16="http://schemas.microsoft.com/office/drawing/2014/main" xmlns="" id="{7766E6A1-F555-481A-B6B8-EF3975D98281}"/>
+                <a16:creationId xmlns="" xmlns:a16="http://schemas.microsoft.com/office/drawing/2014/main" id="{7766E6A1-F555-481A-B6B8-EF3975D98281}"/>
               </a:ext>
             </a:extLst>
           </p:cNvPr>
@@ -4264,8 +4264,8 @@
         </p:nvSpPr>
         <p:spPr>
           <a:xfrm>
-            <a:off x="306372" y="6305583"/>
-            <a:ext cx="9743200" cy="584775"/>
+            <a:off x="306371" y="6305583"/>
+            <a:ext cx="10150289" cy="584775"/>
           </a:xfrm>
           <a:prstGeom prst="rect">
             <a:avLst/>
@@ -4430,7 +4430,7 @@
             </a:r>
             <a:r>
               <a:rPr lang="en-US" sz="1600" i="1" dirty="0" smtClean="0"/>
-              <a:t>); partially supported by the </a:t>
+              <a:t>); partially supported by </a:t>
             </a:r>
             <a:r>
               <a:rPr lang="en-US" sz="1600" i="1" dirty="0" err="1" smtClean="0"/>
@@ -4438,7 +4438,11 @@
             </a:r>
             <a:r>
               <a:rPr lang="en-US" sz="1600" i="1" dirty="0" smtClean="0"/>
-              <a:t> (</a:t>
+              <a:t> </a:t>
+            </a:r>
+            <a:r>
+              <a:rPr lang="en-US" sz="1600" i="1" dirty="0" smtClean="0"/>
+              <a:t>(</a:t>
             </a:r>
             <a:r>
               <a:rPr lang="en-US" sz="1600" i="1" dirty="0" err="1" smtClean="0"/>
@@ -4446,7 +4450,23 @@
             </a:r>
             <a:r>
               <a:rPr lang="en-US" sz="1600" i="1" dirty="0" smtClean="0"/>
-              <a:t>, project no. 104924 and </a:t>
+              <a:t>, project no. </a:t>
+            </a:r>
+            <a:r>
+              <a:rPr lang="en-US" sz="1600" i="1" dirty="0" smtClean="0"/>
+              <a:t>104924</a:t>
+            </a:r>
+            <a:r>
+              <a:rPr lang="cs-CZ" sz="1600" i="1" dirty="0" smtClean="0"/>
+              <a:t>,</a:t>
+            </a:r>
+            <a:r>
+              <a:rPr lang="en-US" sz="1600" i="1" dirty="0" smtClean="0"/>
+              <a:t> </a:t>
+            </a:r>
+            <a:r>
+              <a:rPr lang="en-US" sz="1600" i="1" dirty="0" smtClean="0"/>
+              <a:t>and </a:t>
             </a:r>
             <a:r>
               <a:rPr lang="en-US" sz="1600" i="1" dirty="0" err="1" smtClean="0"/>
@@ -4495,7 +4515,7 @@
           <p:cNvPr id="7" name="Picture 5">
             <a:extLst>
               <a:ext uri="{FF2B5EF4-FFF2-40B4-BE49-F238E27FC236}">
-                <a16:creationId xmlns:a16="http://schemas.microsoft.com/office/drawing/2014/main" xmlns="" id="{9B4E72B6-A598-45FF-86A3-C5E240FD0394}"/>
+                <a16:creationId xmlns="" xmlns:a16="http://schemas.microsoft.com/office/drawing/2014/main" id="{9B4E72B6-A598-45FF-86A3-C5E240FD0394}"/>
               </a:ext>
             </a:extLst>
           </p:cNvPr>
@@ -4539,7 +4559,7 @@
             <p:cNvPr id="10" name="TextBox 9">
               <a:extLst>
                 <a:ext uri="{FF2B5EF4-FFF2-40B4-BE49-F238E27FC236}">
-                  <a16:creationId xmlns:a16="http://schemas.microsoft.com/office/drawing/2014/main" xmlns="" id="{52CE12FA-7AF9-4E51-83C2-E9B71C9AB665}"/>
+                  <a16:creationId xmlns="" xmlns:a16="http://schemas.microsoft.com/office/drawing/2014/main" id="{52CE12FA-7AF9-4E51-83C2-E9B71C9AB665}"/>
                 </a:ext>
               </a:extLst>
             </p:cNvPr>
@@ -4623,7 +4643,7 @@
             <p:cNvPr id="14" name="Straight Arrow Connector 13">
               <a:extLst>
                 <a:ext uri="{FF2B5EF4-FFF2-40B4-BE49-F238E27FC236}">
-                  <a16:creationId xmlns:a16="http://schemas.microsoft.com/office/drawing/2014/main" xmlns="" id="{22FC2CFE-A0A1-42EA-B6BE-CD766B62709A}"/>
+                  <a16:creationId xmlns="" xmlns:a16="http://schemas.microsoft.com/office/drawing/2014/main" id="{22FC2CFE-A0A1-42EA-B6BE-CD766B62709A}"/>
                 </a:ext>
               </a:extLst>
             </p:cNvPr>
@@ -4665,7 +4685,7 @@
           <p:cNvPr id="11" name="Title 1">
             <a:extLst>
               <a:ext uri="{FF2B5EF4-FFF2-40B4-BE49-F238E27FC236}">
-                <a16:creationId xmlns:a16="http://schemas.microsoft.com/office/drawing/2014/main" xmlns="" id="{B0F156AD-301E-4427-9FE2-B418C609B403}"/>
+                <a16:creationId xmlns="" xmlns:a16="http://schemas.microsoft.com/office/drawing/2014/main" id="{B0F156AD-301E-4427-9FE2-B418C609B403}"/>
               </a:ext>
             </a:extLst>
           </p:cNvPr>
@@ -4870,7 +4890,7 @@
           <p:cNvPr id="15" name="Content Placeholder 2">
             <a:extLst>
               <a:ext uri="{FF2B5EF4-FFF2-40B4-BE49-F238E27FC236}">
-                <a16:creationId xmlns:a16="http://schemas.microsoft.com/office/drawing/2014/main" xmlns="" id="{A66B41CA-B924-43B7-B1E0-0509271D70B9}"/>
+                <a16:creationId xmlns="" xmlns:a16="http://schemas.microsoft.com/office/drawing/2014/main" id="{A66B41CA-B924-43B7-B1E0-0509271D70B9}"/>
               </a:ext>
             </a:extLst>
           </p:cNvPr>
@@ -6024,7 +6044,7 @@
           <p:cNvPr id="7" name="Picture 5">
             <a:extLst>
               <a:ext uri="{FF2B5EF4-FFF2-40B4-BE49-F238E27FC236}">
-                <a16:creationId xmlns:a16="http://schemas.microsoft.com/office/drawing/2014/main" xmlns="" id="{9B4E72B6-A598-45FF-86A3-C5E240FD0394}"/>
+                <a16:creationId xmlns="" xmlns:a16="http://schemas.microsoft.com/office/drawing/2014/main" id="{9B4E72B6-A598-45FF-86A3-C5E240FD0394}"/>
               </a:ext>
             </a:extLst>
           </p:cNvPr>
@@ -6068,7 +6088,7 @@
             <p:cNvPr id="10" name="TextBox 9">
               <a:extLst>
                 <a:ext uri="{FF2B5EF4-FFF2-40B4-BE49-F238E27FC236}">
-                  <a16:creationId xmlns:a16="http://schemas.microsoft.com/office/drawing/2014/main" xmlns="" id="{52CE12FA-7AF9-4E51-83C2-E9B71C9AB665}"/>
+                  <a16:creationId xmlns="" xmlns:a16="http://schemas.microsoft.com/office/drawing/2014/main" id="{52CE12FA-7AF9-4E51-83C2-E9B71C9AB665}"/>
                 </a:ext>
               </a:extLst>
             </p:cNvPr>
@@ -6152,7 +6172,7 @@
             <p:cNvPr id="14" name="Straight Arrow Connector 13">
               <a:extLst>
                 <a:ext uri="{FF2B5EF4-FFF2-40B4-BE49-F238E27FC236}">
-                  <a16:creationId xmlns:a16="http://schemas.microsoft.com/office/drawing/2014/main" xmlns="" id="{22FC2CFE-A0A1-42EA-B6BE-CD766B62709A}"/>
+                  <a16:creationId xmlns="" xmlns:a16="http://schemas.microsoft.com/office/drawing/2014/main" id="{22FC2CFE-A0A1-42EA-B6BE-CD766B62709A}"/>
                 </a:ext>
               </a:extLst>
             </p:cNvPr>
@@ -6194,7 +6214,7 @@
           <p:cNvPr id="11" name="Title 1">
             <a:extLst>
               <a:ext uri="{FF2B5EF4-FFF2-40B4-BE49-F238E27FC236}">
-                <a16:creationId xmlns:a16="http://schemas.microsoft.com/office/drawing/2014/main" xmlns="" id="{B0F156AD-301E-4427-9FE2-B418C609B403}"/>
+                <a16:creationId xmlns="" xmlns:a16="http://schemas.microsoft.com/office/drawing/2014/main" id="{B0F156AD-301E-4427-9FE2-B418C609B403}"/>
               </a:ext>
             </a:extLst>
           </p:cNvPr>
@@ -6399,7 +6419,7 @@
           <p:cNvPr id="15" name="Content Placeholder 2">
             <a:extLst>
               <a:ext uri="{FF2B5EF4-FFF2-40B4-BE49-F238E27FC236}">
-                <a16:creationId xmlns:a16="http://schemas.microsoft.com/office/drawing/2014/main" xmlns="" id="{A66B41CA-B924-43B7-B1E0-0509271D70B9}"/>
+                <a16:creationId xmlns="" xmlns:a16="http://schemas.microsoft.com/office/drawing/2014/main" id="{A66B41CA-B924-43B7-B1E0-0509271D70B9}"/>
               </a:ext>
             </a:extLst>
           </p:cNvPr>
@@ -7366,7 +7386,7 @@
           <p:cNvPr id="7" name="Picture 5">
             <a:extLst>
               <a:ext uri="{FF2B5EF4-FFF2-40B4-BE49-F238E27FC236}">
-                <a16:creationId xmlns:a16="http://schemas.microsoft.com/office/drawing/2014/main" xmlns="" id="{9B4E72B6-A598-45FF-86A3-C5E240FD0394}"/>
+                <a16:creationId xmlns="" xmlns:a16="http://schemas.microsoft.com/office/drawing/2014/main" id="{9B4E72B6-A598-45FF-86A3-C5E240FD0394}"/>
               </a:ext>
             </a:extLst>
           </p:cNvPr>
@@ -7410,7 +7430,7 @@
             <p:cNvPr id="10" name="TextBox 9">
               <a:extLst>
                 <a:ext uri="{FF2B5EF4-FFF2-40B4-BE49-F238E27FC236}">
-                  <a16:creationId xmlns:a16="http://schemas.microsoft.com/office/drawing/2014/main" xmlns="" id="{52CE12FA-7AF9-4E51-83C2-E9B71C9AB665}"/>
+                  <a16:creationId xmlns="" xmlns:a16="http://schemas.microsoft.com/office/drawing/2014/main" id="{52CE12FA-7AF9-4E51-83C2-E9B71C9AB665}"/>
                 </a:ext>
               </a:extLst>
             </p:cNvPr>
@@ -7494,7 +7514,7 @@
             <p:cNvPr id="14" name="Straight Arrow Connector 13">
               <a:extLst>
                 <a:ext uri="{FF2B5EF4-FFF2-40B4-BE49-F238E27FC236}">
-                  <a16:creationId xmlns:a16="http://schemas.microsoft.com/office/drawing/2014/main" xmlns="" id="{22FC2CFE-A0A1-42EA-B6BE-CD766B62709A}"/>
+                  <a16:creationId xmlns="" xmlns:a16="http://schemas.microsoft.com/office/drawing/2014/main" id="{22FC2CFE-A0A1-42EA-B6BE-CD766B62709A}"/>
                 </a:ext>
               </a:extLst>
             </p:cNvPr>
@@ -7536,7 +7556,7 @@
           <p:cNvPr id="11" name="Title 1">
             <a:extLst>
               <a:ext uri="{FF2B5EF4-FFF2-40B4-BE49-F238E27FC236}">
-                <a16:creationId xmlns:a16="http://schemas.microsoft.com/office/drawing/2014/main" xmlns="" id="{B0F156AD-301E-4427-9FE2-B418C609B403}"/>
+                <a16:creationId xmlns="" xmlns:a16="http://schemas.microsoft.com/office/drawing/2014/main" id="{B0F156AD-301E-4427-9FE2-B418C609B403}"/>
               </a:ext>
             </a:extLst>
           </p:cNvPr>
@@ -7741,7 +7761,7 @@
           <p:cNvPr id="15" name="Content Placeholder 2">
             <a:extLst>
               <a:ext uri="{FF2B5EF4-FFF2-40B4-BE49-F238E27FC236}">
-                <a16:creationId xmlns:a16="http://schemas.microsoft.com/office/drawing/2014/main" xmlns="" id="{A66B41CA-B924-43B7-B1E0-0509271D70B9}"/>
+                <a16:creationId xmlns="" xmlns:a16="http://schemas.microsoft.com/office/drawing/2014/main" id="{A66B41CA-B924-43B7-B1E0-0509271D70B9}"/>
               </a:ext>
             </a:extLst>
           </p:cNvPr>
@@ -7953,13 +7973,7 @@
               <a:rPr lang="en-US" sz="2200" dirty="0" smtClean="0">
                 <a:cs typeface="Calibri"/>
               </a:rPr>
-              <a:t>or </a:t>
-            </a:r>
-            <a:r>
-              <a:rPr lang="en-US" sz="2200" dirty="0" smtClean="0">
-                <a:cs typeface="Calibri"/>
-              </a:rPr>
-              <a:t>bears attributes for ID of its antecedent(s), type of relation</a:t>
+              <a:t>or bears attributes for ID of its antecedent(s), type of relation</a:t>
             </a:r>
           </a:p>
           <a:p>
@@ -8976,7 +8990,7 @@
           <p:cNvPr id="7" name="Picture 5">
             <a:extLst>
               <a:ext uri="{FF2B5EF4-FFF2-40B4-BE49-F238E27FC236}">
-                <a16:creationId xmlns:a16="http://schemas.microsoft.com/office/drawing/2014/main" xmlns="" id="{9B4E72B6-A598-45FF-86A3-C5E240FD0394}"/>
+                <a16:creationId xmlns="" xmlns:a16="http://schemas.microsoft.com/office/drawing/2014/main" id="{9B4E72B6-A598-45FF-86A3-C5E240FD0394}"/>
               </a:ext>
             </a:extLst>
           </p:cNvPr>
@@ -9020,7 +9034,7 @@
             <p:cNvPr id="10" name="TextBox 9">
               <a:extLst>
                 <a:ext uri="{FF2B5EF4-FFF2-40B4-BE49-F238E27FC236}">
-                  <a16:creationId xmlns:a16="http://schemas.microsoft.com/office/drawing/2014/main" xmlns="" id="{52CE12FA-7AF9-4E51-83C2-E9B71C9AB665}"/>
+                  <a16:creationId xmlns="" xmlns:a16="http://schemas.microsoft.com/office/drawing/2014/main" id="{52CE12FA-7AF9-4E51-83C2-E9B71C9AB665}"/>
                 </a:ext>
               </a:extLst>
             </p:cNvPr>
@@ -9104,7 +9118,7 @@
             <p:cNvPr id="14" name="Straight Arrow Connector 13">
               <a:extLst>
                 <a:ext uri="{FF2B5EF4-FFF2-40B4-BE49-F238E27FC236}">
-                  <a16:creationId xmlns:a16="http://schemas.microsoft.com/office/drawing/2014/main" xmlns="" id="{22FC2CFE-A0A1-42EA-B6BE-CD766B62709A}"/>
+                  <a16:creationId xmlns="" xmlns:a16="http://schemas.microsoft.com/office/drawing/2014/main" id="{22FC2CFE-A0A1-42EA-B6BE-CD766B62709A}"/>
                 </a:ext>
               </a:extLst>
             </p:cNvPr>
@@ -9146,7 +9160,7 @@
           <p:cNvPr id="15" name="Content Placeholder 2">
             <a:extLst>
               <a:ext uri="{FF2B5EF4-FFF2-40B4-BE49-F238E27FC236}">
-                <a16:creationId xmlns:a16="http://schemas.microsoft.com/office/drawing/2014/main" xmlns="" id="{A66B41CA-B924-43B7-B1E0-0509271D70B9}"/>
+                <a16:creationId xmlns="" xmlns:a16="http://schemas.microsoft.com/office/drawing/2014/main" id="{A66B41CA-B924-43B7-B1E0-0509271D70B9}"/>
               </a:ext>
             </a:extLst>
           </p:cNvPr>
@@ -10177,7 +10191,7 @@
           <p:cNvPr id="30" name="Title 1">
             <a:extLst>
               <a:ext uri="{FF2B5EF4-FFF2-40B4-BE49-F238E27FC236}">
-                <a16:creationId xmlns:a16="http://schemas.microsoft.com/office/drawing/2014/main" xmlns="" id="{B0F156AD-301E-4427-9FE2-B418C609B403}"/>
+                <a16:creationId xmlns="" xmlns:a16="http://schemas.microsoft.com/office/drawing/2014/main" id="{B0F156AD-301E-4427-9FE2-B418C609B403}"/>
               </a:ext>
             </a:extLst>
           </p:cNvPr>
@@ -10431,7 +10445,7 @@
           <p:cNvPr id="7" name="Picture 5">
             <a:extLst>
               <a:ext uri="{FF2B5EF4-FFF2-40B4-BE49-F238E27FC236}">
-                <a16:creationId xmlns:a16="http://schemas.microsoft.com/office/drawing/2014/main" xmlns="" id="{9B4E72B6-A598-45FF-86A3-C5E240FD0394}"/>
+                <a16:creationId xmlns="" xmlns:a16="http://schemas.microsoft.com/office/drawing/2014/main" id="{9B4E72B6-A598-45FF-86A3-C5E240FD0394}"/>
               </a:ext>
             </a:extLst>
           </p:cNvPr>
@@ -10475,7 +10489,7 @@
             <p:cNvPr id="10" name="TextBox 9">
               <a:extLst>
                 <a:ext uri="{FF2B5EF4-FFF2-40B4-BE49-F238E27FC236}">
-                  <a16:creationId xmlns:a16="http://schemas.microsoft.com/office/drawing/2014/main" xmlns="" id="{52CE12FA-7AF9-4E51-83C2-E9B71C9AB665}"/>
+                  <a16:creationId xmlns="" xmlns:a16="http://schemas.microsoft.com/office/drawing/2014/main" id="{52CE12FA-7AF9-4E51-83C2-E9B71C9AB665}"/>
                 </a:ext>
               </a:extLst>
             </p:cNvPr>
@@ -10559,7 +10573,7 @@
             <p:cNvPr id="14" name="Straight Arrow Connector 13">
               <a:extLst>
                 <a:ext uri="{FF2B5EF4-FFF2-40B4-BE49-F238E27FC236}">
-                  <a16:creationId xmlns:a16="http://schemas.microsoft.com/office/drawing/2014/main" xmlns="" id="{22FC2CFE-A0A1-42EA-B6BE-CD766B62709A}"/>
+                  <a16:creationId xmlns="" xmlns:a16="http://schemas.microsoft.com/office/drawing/2014/main" id="{22FC2CFE-A0A1-42EA-B6BE-CD766B62709A}"/>
                 </a:ext>
               </a:extLst>
             </p:cNvPr>
@@ -10601,7 +10615,7 @@
           <p:cNvPr id="15" name="Content Placeholder 2">
             <a:extLst>
               <a:ext uri="{FF2B5EF4-FFF2-40B4-BE49-F238E27FC236}">
-                <a16:creationId xmlns:a16="http://schemas.microsoft.com/office/drawing/2014/main" xmlns="" id="{A66B41CA-B924-43B7-B1E0-0509271D70B9}"/>
+                <a16:creationId xmlns="" xmlns:a16="http://schemas.microsoft.com/office/drawing/2014/main" id="{A66B41CA-B924-43B7-B1E0-0509271D70B9}"/>
               </a:ext>
             </a:extLst>
           </p:cNvPr>
@@ -12542,7 +12556,7 @@
           <p:cNvPr id="58" name="Title 1">
             <a:extLst>
               <a:ext uri="{FF2B5EF4-FFF2-40B4-BE49-F238E27FC236}">
-                <a16:creationId xmlns:a16="http://schemas.microsoft.com/office/drawing/2014/main" xmlns="" id="{B0F156AD-301E-4427-9FE2-B418C609B403}"/>
+                <a16:creationId xmlns="" xmlns:a16="http://schemas.microsoft.com/office/drawing/2014/main" id="{B0F156AD-301E-4427-9FE2-B418C609B403}"/>
               </a:ext>
             </a:extLst>
           </p:cNvPr>
@@ -12796,7 +12810,7 @@
           <p:cNvPr id="7" name="Picture 5">
             <a:extLst>
               <a:ext uri="{FF2B5EF4-FFF2-40B4-BE49-F238E27FC236}">
-                <a16:creationId xmlns:a16="http://schemas.microsoft.com/office/drawing/2014/main" xmlns="" id="{9B4E72B6-A598-45FF-86A3-C5E240FD0394}"/>
+                <a16:creationId xmlns="" xmlns:a16="http://schemas.microsoft.com/office/drawing/2014/main" id="{9B4E72B6-A598-45FF-86A3-C5E240FD0394}"/>
               </a:ext>
             </a:extLst>
           </p:cNvPr>
@@ -12840,7 +12854,7 @@
             <p:cNvPr id="10" name="TextBox 9">
               <a:extLst>
                 <a:ext uri="{FF2B5EF4-FFF2-40B4-BE49-F238E27FC236}">
-                  <a16:creationId xmlns:a16="http://schemas.microsoft.com/office/drawing/2014/main" xmlns="" id="{52CE12FA-7AF9-4E51-83C2-E9B71C9AB665}"/>
+                  <a16:creationId xmlns="" xmlns:a16="http://schemas.microsoft.com/office/drawing/2014/main" id="{52CE12FA-7AF9-4E51-83C2-E9B71C9AB665}"/>
                 </a:ext>
               </a:extLst>
             </p:cNvPr>
@@ -12924,7 +12938,7 @@
             <p:cNvPr id="14" name="Straight Arrow Connector 13">
               <a:extLst>
                 <a:ext uri="{FF2B5EF4-FFF2-40B4-BE49-F238E27FC236}">
-                  <a16:creationId xmlns:a16="http://schemas.microsoft.com/office/drawing/2014/main" xmlns="" id="{22FC2CFE-A0A1-42EA-B6BE-CD766B62709A}"/>
+                  <a16:creationId xmlns="" xmlns:a16="http://schemas.microsoft.com/office/drawing/2014/main" id="{22FC2CFE-A0A1-42EA-B6BE-CD766B62709A}"/>
                 </a:ext>
               </a:extLst>
             </p:cNvPr>
@@ -12966,7 +12980,7 @@
           <p:cNvPr id="15" name="Content Placeholder 2">
             <a:extLst>
               <a:ext uri="{FF2B5EF4-FFF2-40B4-BE49-F238E27FC236}">
-                <a16:creationId xmlns:a16="http://schemas.microsoft.com/office/drawing/2014/main" xmlns="" id="{A66B41CA-B924-43B7-B1E0-0509271D70B9}"/>
+                <a16:creationId xmlns="" xmlns:a16="http://schemas.microsoft.com/office/drawing/2014/main" id="{A66B41CA-B924-43B7-B1E0-0509271D70B9}"/>
               </a:ext>
             </a:extLst>
           </p:cNvPr>
@@ -14609,7 +14623,7 @@
           <p:cNvPr id="91" name="Title 1">
             <a:extLst>
               <a:ext uri="{FF2B5EF4-FFF2-40B4-BE49-F238E27FC236}">
-                <a16:creationId xmlns:a16="http://schemas.microsoft.com/office/drawing/2014/main" xmlns="" id="{B0F156AD-301E-4427-9FE2-B418C609B403}"/>
+                <a16:creationId xmlns="" xmlns:a16="http://schemas.microsoft.com/office/drawing/2014/main" id="{B0F156AD-301E-4427-9FE2-B418C609B403}"/>
               </a:ext>
             </a:extLst>
           </p:cNvPr>
@@ -14863,7 +14877,7 @@
           <p:cNvPr id="7" name="Picture 5">
             <a:extLst>
               <a:ext uri="{FF2B5EF4-FFF2-40B4-BE49-F238E27FC236}">
-                <a16:creationId xmlns:a16="http://schemas.microsoft.com/office/drawing/2014/main" xmlns="" id="{9B4E72B6-A598-45FF-86A3-C5E240FD0394}"/>
+                <a16:creationId xmlns="" xmlns:a16="http://schemas.microsoft.com/office/drawing/2014/main" id="{9B4E72B6-A598-45FF-86A3-C5E240FD0394}"/>
               </a:ext>
             </a:extLst>
           </p:cNvPr>
@@ -14907,7 +14921,7 @@
             <p:cNvPr id="10" name="TextBox 9">
               <a:extLst>
                 <a:ext uri="{FF2B5EF4-FFF2-40B4-BE49-F238E27FC236}">
-                  <a16:creationId xmlns:a16="http://schemas.microsoft.com/office/drawing/2014/main" xmlns="" id="{52CE12FA-7AF9-4E51-83C2-E9B71C9AB665}"/>
+                  <a16:creationId xmlns="" xmlns:a16="http://schemas.microsoft.com/office/drawing/2014/main" id="{52CE12FA-7AF9-4E51-83C2-E9B71C9AB665}"/>
                 </a:ext>
               </a:extLst>
             </p:cNvPr>
@@ -14991,7 +15005,7 @@
             <p:cNvPr id="14" name="Straight Arrow Connector 13">
               <a:extLst>
                 <a:ext uri="{FF2B5EF4-FFF2-40B4-BE49-F238E27FC236}">
-                  <a16:creationId xmlns:a16="http://schemas.microsoft.com/office/drawing/2014/main" xmlns="" id="{22FC2CFE-A0A1-42EA-B6BE-CD766B62709A}"/>
+                  <a16:creationId xmlns="" xmlns:a16="http://schemas.microsoft.com/office/drawing/2014/main" id="{22FC2CFE-A0A1-42EA-B6BE-CD766B62709A}"/>
                 </a:ext>
               </a:extLst>
             </p:cNvPr>
@@ -15033,7 +15047,7 @@
           <p:cNvPr id="15" name="Content Placeholder 2">
             <a:extLst>
               <a:ext uri="{FF2B5EF4-FFF2-40B4-BE49-F238E27FC236}">
-                <a16:creationId xmlns:a16="http://schemas.microsoft.com/office/drawing/2014/main" xmlns="" id="{A66B41CA-B924-43B7-B1E0-0509271D70B9}"/>
+                <a16:creationId xmlns="" xmlns:a16="http://schemas.microsoft.com/office/drawing/2014/main" id="{A66B41CA-B924-43B7-B1E0-0509271D70B9}"/>
               </a:ext>
             </a:extLst>
           </p:cNvPr>
@@ -18106,7 +18120,7 @@
           <p:cNvPr id="91" name="Title 1">
             <a:extLst>
               <a:ext uri="{FF2B5EF4-FFF2-40B4-BE49-F238E27FC236}">
-                <a16:creationId xmlns:a16="http://schemas.microsoft.com/office/drawing/2014/main" xmlns="" id="{B0F156AD-301E-4427-9FE2-B418C609B403}"/>
+                <a16:creationId xmlns="" xmlns:a16="http://schemas.microsoft.com/office/drawing/2014/main" id="{B0F156AD-301E-4427-9FE2-B418C609B403}"/>
               </a:ext>
             </a:extLst>
           </p:cNvPr>
@@ -18360,7 +18374,7 @@
           <p:cNvPr id="7" name="Picture 5">
             <a:extLst>
               <a:ext uri="{FF2B5EF4-FFF2-40B4-BE49-F238E27FC236}">
-                <a16:creationId xmlns:a16="http://schemas.microsoft.com/office/drawing/2014/main" xmlns="" id="{9B4E72B6-A598-45FF-86A3-C5E240FD0394}"/>
+                <a16:creationId xmlns="" xmlns:a16="http://schemas.microsoft.com/office/drawing/2014/main" id="{9B4E72B6-A598-45FF-86A3-C5E240FD0394}"/>
               </a:ext>
             </a:extLst>
           </p:cNvPr>
@@ -18404,7 +18418,7 @@
             <p:cNvPr id="10" name="TextBox 9">
               <a:extLst>
                 <a:ext uri="{FF2B5EF4-FFF2-40B4-BE49-F238E27FC236}">
-                  <a16:creationId xmlns:a16="http://schemas.microsoft.com/office/drawing/2014/main" xmlns="" id="{52CE12FA-7AF9-4E51-83C2-E9B71C9AB665}"/>
+                  <a16:creationId xmlns="" xmlns:a16="http://schemas.microsoft.com/office/drawing/2014/main" id="{52CE12FA-7AF9-4E51-83C2-E9B71C9AB665}"/>
                 </a:ext>
               </a:extLst>
             </p:cNvPr>
@@ -18488,7 +18502,7 @@
             <p:cNvPr id="14" name="Straight Arrow Connector 13">
               <a:extLst>
                 <a:ext uri="{FF2B5EF4-FFF2-40B4-BE49-F238E27FC236}">
-                  <a16:creationId xmlns:a16="http://schemas.microsoft.com/office/drawing/2014/main" xmlns="" id="{22FC2CFE-A0A1-42EA-B6BE-CD766B62709A}"/>
+                  <a16:creationId xmlns="" xmlns:a16="http://schemas.microsoft.com/office/drawing/2014/main" id="{22FC2CFE-A0A1-42EA-B6BE-CD766B62709A}"/>
                 </a:ext>
               </a:extLst>
             </p:cNvPr>
@@ -18530,7 +18544,7 @@
           <p:cNvPr id="12" name="Content Placeholder 2">
             <a:extLst>
               <a:ext uri="{FF2B5EF4-FFF2-40B4-BE49-F238E27FC236}">
-                <a16:creationId xmlns:a16="http://schemas.microsoft.com/office/drawing/2014/main" xmlns="" id="{A66B41CA-B924-43B7-B1E0-0509271D70B9}"/>
+                <a16:creationId xmlns="" xmlns:a16="http://schemas.microsoft.com/office/drawing/2014/main" id="{A66B41CA-B924-43B7-B1E0-0509271D70B9}"/>
               </a:ext>
             </a:extLst>
           </p:cNvPr>
@@ -21304,7 +21318,7 @@
           <p:cNvPr id="70" name="Title 1">
             <a:extLst>
               <a:ext uri="{FF2B5EF4-FFF2-40B4-BE49-F238E27FC236}">
-                <a16:creationId xmlns:a16="http://schemas.microsoft.com/office/drawing/2014/main" xmlns="" id="{B0F156AD-301E-4427-9FE2-B418C609B403}"/>
+                <a16:creationId xmlns="" xmlns:a16="http://schemas.microsoft.com/office/drawing/2014/main" id="{B0F156AD-301E-4427-9FE2-B418C609B403}"/>
               </a:ext>
             </a:extLst>
           </p:cNvPr>
@@ -21514,7 +21528,7 @@
           <p:cNvPr id="7" name="Picture 5">
             <a:extLst>
               <a:ext uri="{FF2B5EF4-FFF2-40B4-BE49-F238E27FC236}">
-                <a16:creationId xmlns:a16="http://schemas.microsoft.com/office/drawing/2014/main" xmlns="" id="{9B4E72B6-A598-45FF-86A3-C5E240FD0394}"/>
+                <a16:creationId xmlns="" xmlns:a16="http://schemas.microsoft.com/office/drawing/2014/main" id="{9B4E72B6-A598-45FF-86A3-C5E240FD0394}"/>
               </a:ext>
             </a:extLst>
           </p:cNvPr>
@@ -21558,7 +21572,7 @@
             <p:cNvPr id="10" name="TextBox 9">
               <a:extLst>
                 <a:ext uri="{FF2B5EF4-FFF2-40B4-BE49-F238E27FC236}">
-                  <a16:creationId xmlns:a16="http://schemas.microsoft.com/office/drawing/2014/main" xmlns="" id="{52CE12FA-7AF9-4E51-83C2-E9B71C9AB665}"/>
+                  <a16:creationId xmlns="" xmlns:a16="http://schemas.microsoft.com/office/drawing/2014/main" id="{52CE12FA-7AF9-4E51-83C2-E9B71C9AB665}"/>
                 </a:ext>
               </a:extLst>
             </p:cNvPr>
@@ -21642,7 +21656,7 @@
             <p:cNvPr id="14" name="Straight Arrow Connector 13">
               <a:extLst>
                 <a:ext uri="{FF2B5EF4-FFF2-40B4-BE49-F238E27FC236}">
-                  <a16:creationId xmlns:a16="http://schemas.microsoft.com/office/drawing/2014/main" xmlns="" id="{22FC2CFE-A0A1-42EA-B6BE-CD766B62709A}"/>
+                  <a16:creationId xmlns="" xmlns:a16="http://schemas.microsoft.com/office/drawing/2014/main" id="{22FC2CFE-A0A1-42EA-B6BE-CD766B62709A}"/>
                 </a:ext>
               </a:extLst>
             </p:cNvPr>
@@ -21684,7 +21698,7 @@
           <p:cNvPr id="12" name="Content Placeholder 2">
             <a:extLst>
               <a:ext uri="{FF2B5EF4-FFF2-40B4-BE49-F238E27FC236}">
-                <a16:creationId xmlns:a16="http://schemas.microsoft.com/office/drawing/2014/main" xmlns="" id="{A66B41CA-B924-43B7-B1E0-0509271D70B9}"/>
+                <a16:creationId xmlns="" xmlns:a16="http://schemas.microsoft.com/office/drawing/2014/main" id="{A66B41CA-B924-43B7-B1E0-0509271D70B9}"/>
               </a:ext>
             </a:extLst>
           </p:cNvPr>
@@ -23210,7 +23224,7 @@
           <p:cNvPr id="70" name="Title 1">
             <a:extLst>
               <a:ext uri="{FF2B5EF4-FFF2-40B4-BE49-F238E27FC236}">
-                <a16:creationId xmlns:a16="http://schemas.microsoft.com/office/drawing/2014/main" xmlns="" id="{B0F156AD-301E-4427-9FE2-B418C609B403}"/>
+                <a16:creationId xmlns="" xmlns:a16="http://schemas.microsoft.com/office/drawing/2014/main" id="{B0F156AD-301E-4427-9FE2-B418C609B403}"/>
               </a:ext>
             </a:extLst>
           </p:cNvPr>
@@ -23420,7 +23434,7 @@
           <p:cNvPr id="7" name="Picture 5">
             <a:extLst>
               <a:ext uri="{FF2B5EF4-FFF2-40B4-BE49-F238E27FC236}">
-                <a16:creationId xmlns:a16="http://schemas.microsoft.com/office/drawing/2014/main" xmlns="" id="{9B4E72B6-A598-45FF-86A3-C5E240FD0394}"/>
+                <a16:creationId xmlns="" xmlns:a16="http://schemas.microsoft.com/office/drawing/2014/main" id="{9B4E72B6-A598-45FF-86A3-C5E240FD0394}"/>
               </a:ext>
             </a:extLst>
           </p:cNvPr>
@@ -23464,7 +23478,7 @@
             <p:cNvPr id="10" name="TextBox 9">
               <a:extLst>
                 <a:ext uri="{FF2B5EF4-FFF2-40B4-BE49-F238E27FC236}">
-                  <a16:creationId xmlns:a16="http://schemas.microsoft.com/office/drawing/2014/main" xmlns="" id="{52CE12FA-7AF9-4E51-83C2-E9B71C9AB665}"/>
+                  <a16:creationId xmlns="" xmlns:a16="http://schemas.microsoft.com/office/drawing/2014/main" id="{52CE12FA-7AF9-4E51-83C2-E9B71C9AB665}"/>
                 </a:ext>
               </a:extLst>
             </p:cNvPr>
@@ -23548,7 +23562,7 @@
             <p:cNvPr id="14" name="Straight Arrow Connector 13">
               <a:extLst>
                 <a:ext uri="{FF2B5EF4-FFF2-40B4-BE49-F238E27FC236}">
-                  <a16:creationId xmlns:a16="http://schemas.microsoft.com/office/drawing/2014/main" xmlns="" id="{22FC2CFE-A0A1-42EA-B6BE-CD766B62709A}"/>
+                  <a16:creationId xmlns="" xmlns:a16="http://schemas.microsoft.com/office/drawing/2014/main" id="{22FC2CFE-A0A1-42EA-B6BE-CD766B62709A}"/>
                 </a:ext>
               </a:extLst>
             </p:cNvPr>
@@ -23590,7 +23604,7 @@
           <p:cNvPr id="12" name="Content Placeholder 2">
             <a:extLst>
               <a:ext uri="{FF2B5EF4-FFF2-40B4-BE49-F238E27FC236}">
-                <a16:creationId xmlns:a16="http://schemas.microsoft.com/office/drawing/2014/main" xmlns="" id="{A66B41CA-B924-43B7-B1E0-0509271D70B9}"/>
+                <a16:creationId xmlns="" xmlns:a16="http://schemas.microsoft.com/office/drawing/2014/main" id="{A66B41CA-B924-43B7-B1E0-0509271D70B9}"/>
               </a:ext>
             </a:extLst>
           </p:cNvPr>
@@ -26364,7 +26378,7 @@
           <p:cNvPr id="70" name="Title 1">
             <a:extLst>
               <a:ext uri="{FF2B5EF4-FFF2-40B4-BE49-F238E27FC236}">
-                <a16:creationId xmlns:a16="http://schemas.microsoft.com/office/drawing/2014/main" xmlns="" id="{B0F156AD-301E-4427-9FE2-B418C609B403}"/>
+                <a16:creationId xmlns="" xmlns:a16="http://schemas.microsoft.com/office/drawing/2014/main" id="{B0F156AD-301E-4427-9FE2-B418C609B403}"/>
               </a:ext>
             </a:extLst>
           </p:cNvPr>
@@ -26588,7 +26602,7 @@
             <p:cNvPr id="4" name="TextBox 3">
               <a:extLst>
                 <a:ext uri="{FF2B5EF4-FFF2-40B4-BE49-F238E27FC236}">
-                  <a16:creationId xmlns:a16="http://schemas.microsoft.com/office/drawing/2014/main" xmlns="" id="{52CE12FA-7AF9-4E51-83C2-E9B71C9AB665}"/>
+                  <a16:creationId xmlns="" xmlns:a16="http://schemas.microsoft.com/office/drawing/2014/main" id="{52CE12FA-7AF9-4E51-83C2-E9B71C9AB665}"/>
                 </a:ext>
               </a:extLst>
             </p:cNvPr>
@@ -26672,7 +26686,7 @@
             <p:cNvPr id="5" name="Straight Arrow Connector 4">
               <a:extLst>
                 <a:ext uri="{FF2B5EF4-FFF2-40B4-BE49-F238E27FC236}">
-                  <a16:creationId xmlns:a16="http://schemas.microsoft.com/office/drawing/2014/main" xmlns="" id="{22FC2CFE-A0A1-42EA-B6BE-CD766B62709A}"/>
+                  <a16:creationId xmlns="" xmlns:a16="http://schemas.microsoft.com/office/drawing/2014/main" id="{22FC2CFE-A0A1-42EA-B6BE-CD766B62709A}"/>
                 </a:ext>
               </a:extLst>
             </p:cNvPr>
@@ -26714,7 +26728,7 @@
           <p:cNvPr id="3" name="Content Placeholder 2">
             <a:extLst>
               <a:ext uri="{FF2B5EF4-FFF2-40B4-BE49-F238E27FC236}">
-                <a16:creationId xmlns:a16="http://schemas.microsoft.com/office/drawing/2014/main" xmlns="" id="{A66B41CA-B924-43B7-B1E0-0509271D70B9}"/>
+                <a16:creationId xmlns="" xmlns:a16="http://schemas.microsoft.com/office/drawing/2014/main" id="{A66B41CA-B924-43B7-B1E0-0509271D70B9}"/>
               </a:ext>
             </a:extLst>
           </p:cNvPr>
@@ -26760,37 +26774,8 @@
                 </a:effectLst>
                 <a:cs typeface="Calibri"/>
               </a:rPr>
-              <a:t>M</a:t>
-            </a:r>
-            <a:r>
-              <a:rPr lang="en-US" sz="3000" dirty="0" smtClean="0">
-                <a:solidFill>
-                  <a:srgbClr val="C55A11"/>
-                </a:solidFill>
-                <a:effectLst>
-                  <a:outerShdw blurRad="38100" dist="38100" dir="2700000" algn="tl">
-                    <a:srgbClr val="000000">
-                      <a:alpha val="43137"/>
-                    </a:srgbClr>
-                  </a:outerShdw>
-                </a:effectLst>
-                <a:cs typeface="Calibri"/>
-              </a:rPr>
-              <a:t>eaning representation</a:t>
-            </a:r>
-            <a:endParaRPr lang="en-US" sz="3000" dirty="0" smtClean="0">
-              <a:solidFill>
-                <a:srgbClr val="C55A11"/>
-              </a:solidFill>
-              <a:effectLst>
-                <a:outerShdw blurRad="38100" dist="38100" dir="2700000" algn="tl">
-                  <a:srgbClr val="000000">
-                    <a:alpha val="43137"/>
-                  </a:srgbClr>
-                </a:outerShdw>
-              </a:effectLst>
-              <a:cs typeface="Calibri"/>
-            </a:endParaRPr>
+              <a:t>Meaning representation</a:t>
+            </a:r>
           </a:p>
           <a:p>
             <a:pPr>
@@ -26899,7 +26884,7 @@
           <p:cNvPr id="7" name="Picture 5">
             <a:extLst>
               <a:ext uri="{FF2B5EF4-FFF2-40B4-BE49-F238E27FC236}">
-                <a16:creationId xmlns:a16="http://schemas.microsoft.com/office/drawing/2014/main" xmlns="" id="{9B4E72B6-A598-45FF-86A3-C5E240FD0394}"/>
+                <a16:creationId xmlns="" xmlns:a16="http://schemas.microsoft.com/office/drawing/2014/main" id="{9B4E72B6-A598-45FF-86A3-C5E240FD0394}"/>
               </a:ext>
             </a:extLst>
           </p:cNvPr>
@@ -26929,7 +26914,7 @@
           <p:cNvPr id="8" name="Title 1">
             <a:extLst>
               <a:ext uri="{FF2B5EF4-FFF2-40B4-BE49-F238E27FC236}">
-                <a16:creationId xmlns:a16="http://schemas.microsoft.com/office/drawing/2014/main" xmlns="" id="{B0F156AD-301E-4427-9FE2-B418C609B403}"/>
+                <a16:creationId xmlns="" xmlns:a16="http://schemas.microsoft.com/office/drawing/2014/main" id="{B0F156AD-301E-4427-9FE2-B418C609B403}"/>
               </a:ext>
             </a:extLst>
           </p:cNvPr>
@@ -27022,7 +27007,7 @@
           <p:cNvPr id="10" name="Content Placeholder 2">
             <a:extLst>
               <a:ext uri="{FF2B5EF4-FFF2-40B4-BE49-F238E27FC236}">
-                <a16:creationId xmlns:a16="http://schemas.microsoft.com/office/drawing/2014/main" xmlns="" id="{A66B41CA-B924-43B7-B1E0-0509271D70B9}"/>
+                <a16:creationId xmlns="" xmlns:a16="http://schemas.microsoft.com/office/drawing/2014/main" id="{A66B41CA-B924-43B7-B1E0-0509271D70B9}"/>
               </a:ext>
             </a:extLst>
           </p:cNvPr>
@@ -27367,7 +27352,7 @@
           <p:cNvPr id="7" name="Picture 5">
             <a:extLst>
               <a:ext uri="{FF2B5EF4-FFF2-40B4-BE49-F238E27FC236}">
-                <a16:creationId xmlns:a16="http://schemas.microsoft.com/office/drawing/2014/main" xmlns="" id="{9B4E72B6-A598-45FF-86A3-C5E240FD0394}"/>
+                <a16:creationId xmlns="" xmlns:a16="http://schemas.microsoft.com/office/drawing/2014/main" id="{9B4E72B6-A598-45FF-86A3-C5E240FD0394}"/>
               </a:ext>
             </a:extLst>
           </p:cNvPr>
@@ -27411,7 +27396,7 @@
             <p:cNvPr id="10" name="TextBox 9">
               <a:extLst>
                 <a:ext uri="{FF2B5EF4-FFF2-40B4-BE49-F238E27FC236}">
-                  <a16:creationId xmlns:a16="http://schemas.microsoft.com/office/drawing/2014/main" xmlns="" id="{52CE12FA-7AF9-4E51-83C2-E9B71C9AB665}"/>
+                  <a16:creationId xmlns="" xmlns:a16="http://schemas.microsoft.com/office/drawing/2014/main" id="{52CE12FA-7AF9-4E51-83C2-E9B71C9AB665}"/>
                 </a:ext>
               </a:extLst>
             </p:cNvPr>
@@ -27495,7 +27480,7 @@
             <p:cNvPr id="14" name="Straight Arrow Connector 13">
               <a:extLst>
                 <a:ext uri="{FF2B5EF4-FFF2-40B4-BE49-F238E27FC236}">
-                  <a16:creationId xmlns:a16="http://schemas.microsoft.com/office/drawing/2014/main" xmlns="" id="{22FC2CFE-A0A1-42EA-B6BE-CD766B62709A}"/>
+                  <a16:creationId xmlns="" xmlns:a16="http://schemas.microsoft.com/office/drawing/2014/main" id="{22FC2CFE-A0A1-42EA-B6BE-CD766B62709A}"/>
                 </a:ext>
               </a:extLst>
             </p:cNvPr>
@@ -27537,7 +27522,7 @@
           <p:cNvPr id="11" name="Title 1">
             <a:extLst>
               <a:ext uri="{FF2B5EF4-FFF2-40B4-BE49-F238E27FC236}">
-                <a16:creationId xmlns:a16="http://schemas.microsoft.com/office/drawing/2014/main" xmlns="" id="{B0F156AD-301E-4427-9FE2-B418C609B403}"/>
+                <a16:creationId xmlns="" xmlns:a16="http://schemas.microsoft.com/office/drawing/2014/main" id="{B0F156AD-301E-4427-9FE2-B418C609B403}"/>
               </a:ext>
             </a:extLst>
           </p:cNvPr>
@@ -27725,7 +27710,7 @@
           <p:cNvPr id="15" name="Content Placeholder 2">
             <a:extLst>
               <a:ext uri="{FF2B5EF4-FFF2-40B4-BE49-F238E27FC236}">
-                <a16:creationId xmlns:a16="http://schemas.microsoft.com/office/drawing/2014/main" xmlns="" id="{A66B41CA-B924-43B7-B1E0-0509271D70B9}"/>
+                <a16:creationId xmlns="" xmlns:a16="http://schemas.microsoft.com/office/drawing/2014/main" id="{A66B41CA-B924-43B7-B1E0-0509271D70B9}"/>
               </a:ext>
             </a:extLst>
           </p:cNvPr>
@@ -27848,7 +27833,7 @@
           <p:cNvPr id="12" name="Content Placeholder 2">
             <a:extLst>
               <a:ext uri="{FF2B5EF4-FFF2-40B4-BE49-F238E27FC236}">
-                <a16:creationId xmlns:a16="http://schemas.microsoft.com/office/drawing/2014/main" xmlns="" id="{A66B41CA-B924-43B7-B1E0-0509271D70B9}"/>
+                <a16:creationId xmlns="" xmlns:a16="http://schemas.microsoft.com/office/drawing/2014/main" id="{A66B41CA-B924-43B7-B1E0-0509271D70B9}"/>
               </a:ext>
             </a:extLst>
           </p:cNvPr>
@@ -28226,7 +28211,7 @@
           <p:cNvPr id="13" name="Content Placeholder 2">
             <a:extLst>
               <a:ext uri="{FF2B5EF4-FFF2-40B4-BE49-F238E27FC236}">
-                <a16:creationId xmlns:a16="http://schemas.microsoft.com/office/drawing/2014/main" xmlns="" id="{A66B41CA-B924-43B7-B1E0-0509271D70B9}"/>
+                <a16:creationId xmlns="" xmlns:a16="http://schemas.microsoft.com/office/drawing/2014/main" id="{A66B41CA-B924-43B7-B1E0-0509271D70B9}"/>
               </a:ext>
             </a:extLst>
           </p:cNvPr>
@@ -28954,7 +28939,7 @@
           <p:cNvPr id="7" name="Picture 5">
             <a:extLst>
               <a:ext uri="{FF2B5EF4-FFF2-40B4-BE49-F238E27FC236}">
-                <a16:creationId xmlns:a16="http://schemas.microsoft.com/office/drawing/2014/main" xmlns="" id="{9B4E72B6-A598-45FF-86A3-C5E240FD0394}"/>
+                <a16:creationId xmlns="" xmlns:a16="http://schemas.microsoft.com/office/drawing/2014/main" id="{9B4E72B6-A598-45FF-86A3-C5E240FD0394}"/>
               </a:ext>
             </a:extLst>
           </p:cNvPr>
@@ -28998,7 +28983,7 @@
             <p:cNvPr id="10" name="TextBox 9">
               <a:extLst>
                 <a:ext uri="{FF2B5EF4-FFF2-40B4-BE49-F238E27FC236}">
-                  <a16:creationId xmlns:a16="http://schemas.microsoft.com/office/drawing/2014/main" xmlns="" id="{52CE12FA-7AF9-4E51-83C2-E9B71C9AB665}"/>
+                  <a16:creationId xmlns="" xmlns:a16="http://schemas.microsoft.com/office/drawing/2014/main" id="{52CE12FA-7AF9-4E51-83C2-E9B71C9AB665}"/>
                 </a:ext>
               </a:extLst>
             </p:cNvPr>
@@ -29082,7 +29067,7 @@
             <p:cNvPr id="14" name="Straight Arrow Connector 13">
               <a:extLst>
                 <a:ext uri="{FF2B5EF4-FFF2-40B4-BE49-F238E27FC236}">
-                  <a16:creationId xmlns:a16="http://schemas.microsoft.com/office/drawing/2014/main" xmlns="" id="{22FC2CFE-A0A1-42EA-B6BE-CD766B62709A}"/>
+                  <a16:creationId xmlns="" xmlns:a16="http://schemas.microsoft.com/office/drawing/2014/main" id="{22FC2CFE-A0A1-42EA-B6BE-CD766B62709A}"/>
                 </a:ext>
               </a:extLst>
             </p:cNvPr>
@@ -29124,7 +29109,7 @@
           <p:cNvPr id="11" name="Title 1">
             <a:extLst>
               <a:ext uri="{FF2B5EF4-FFF2-40B4-BE49-F238E27FC236}">
-                <a16:creationId xmlns:a16="http://schemas.microsoft.com/office/drawing/2014/main" xmlns="" id="{B0F156AD-301E-4427-9FE2-B418C609B403}"/>
+                <a16:creationId xmlns="" xmlns:a16="http://schemas.microsoft.com/office/drawing/2014/main" id="{B0F156AD-301E-4427-9FE2-B418C609B403}"/>
               </a:ext>
             </a:extLst>
           </p:cNvPr>
@@ -29202,18 +29187,7 @@
                 </a:solidFill>
                 <a:cs typeface="Calibri Light"/>
               </a:rPr>
-              <a:t>. </a:t>
-            </a:r>
-            <a:r>
-              <a:rPr lang="en-US" b="1" dirty="0" smtClean="0">
-                <a:solidFill>
-                  <a:schemeClr val="accent2">
-                    <a:lumMod val="75000"/>
-                  </a:schemeClr>
-                </a:solidFill>
-                <a:cs typeface="Calibri Light"/>
-              </a:rPr>
-              <a:t>Coordination</a:t>
+              <a:t>. Coordination</a:t>
             </a:r>
             <a:endParaRPr lang="en-US" b="1" dirty="0">
               <a:solidFill>
@@ -29230,7 +29204,7 @@
           <p:cNvPr id="12" name="Content Placeholder 2">
             <a:extLst>
               <a:ext uri="{FF2B5EF4-FFF2-40B4-BE49-F238E27FC236}">
-                <a16:creationId xmlns:a16="http://schemas.microsoft.com/office/drawing/2014/main" xmlns="" id="{A66B41CA-B924-43B7-B1E0-0509271D70B9}"/>
+                <a16:creationId xmlns="" xmlns:a16="http://schemas.microsoft.com/office/drawing/2014/main" id="{A66B41CA-B924-43B7-B1E0-0509271D70B9}"/>
               </a:ext>
             </a:extLst>
           </p:cNvPr>
@@ -30668,7 +30642,7 @@
           <p:cNvPr id="7" name="Picture 5">
             <a:extLst>
               <a:ext uri="{FF2B5EF4-FFF2-40B4-BE49-F238E27FC236}">
-                <a16:creationId xmlns:a16="http://schemas.microsoft.com/office/drawing/2014/main" xmlns="" id="{9B4E72B6-A598-45FF-86A3-C5E240FD0394}"/>
+                <a16:creationId xmlns="" xmlns:a16="http://schemas.microsoft.com/office/drawing/2014/main" id="{9B4E72B6-A598-45FF-86A3-C5E240FD0394}"/>
               </a:ext>
             </a:extLst>
           </p:cNvPr>
@@ -30712,7 +30686,7 @@
             <p:cNvPr id="10" name="TextBox 9">
               <a:extLst>
                 <a:ext uri="{FF2B5EF4-FFF2-40B4-BE49-F238E27FC236}">
-                  <a16:creationId xmlns:a16="http://schemas.microsoft.com/office/drawing/2014/main" xmlns="" id="{52CE12FA-7AF9-4E51-83C2-E9B71C9AB665}"/>
+                  <a16:creationId xmlns="" xmlns:a16="http://schemas.microsoft.com/office/drawing/2014/main" id="{52CE12FA-7AF9-4E51-83C2-E9B71C9AB665}"/>
                 </a:ext>
               </a:extLst>
             </p:cNvPr>
@@ -30796,7 +30770,7 @@
             <p:cNvPr id="14" name="Straight Arrow Connector 13">
               <a:extLst>
                 <a:ext uri="{FF2B5EF4-FFF2-40B4-BE49-F238E27FC236}">
-                  <a16:creationId xmlns:a16="http://schemas.microsoft.com/office/drawing/2014/main" xmlns="" id="{22FC2CFE-A0A1-42EA-B6BE-CD766B62709A}"/>
+                  <a16:creationId xmlns="" xmlns:a16="http://schemas.microsoft.com/office/drawing/2014/main" id="{22FC2CFE-A0A1-42EA-B6BE-CD766B62709A}"/>
                 </a:ext>
               </a:extLst>
             </p:cNvPr>
@@ -30838,7 +30812,7 @@
           <p:cNvPr id="11" name="Title 1">
             <a:extLst>
               <a:ext uri="{FF2B5EF4-FFF2-40B4-BE49-F238E27FC236}">
-                <a16:creationId xmlns:a16="http://schemas.microsoft.com/office/drawing/2014/main" xmlns="" id="{B0F156AD-301E-4427-9FE2-B418C609B403}"/>
+                <a16:creationId xmlns="" xmlns:a16="http://schemas.microsoft.com/office/drawing/2014/main" id="{B0F156AD-301E-4427-9FE2-B418C609B403}"/>
               </a:ext>
             </a:extLst>
           </p:cNvPr>
@@ -30916,18 +30890,7 @@
                 </a:solidFill>
                 <a:cs typeface="Calibri Light"/>
               </a:rPr>
-              <a:t>. </a:t>
-            </a:r>
-            <a:r>
-              <a:rPr lang="en-US" b="1" dirty="0" smtClean="0">
-                <a:solidFill>
-                  <a:schemeClr val="accent2">
-                    <a:lumMod val="75000"/>
-                  </a:schemeClr>
-                </a:solidFill>
-                <a:cs typeface="Calibri Light"/>
-              </a:rPr>
-              <a:t>Coordination</a:t>
+              <a:t>. Coordination</a:t>
             </a:r>
             <a:endParaRPr lang="en-US" b="1" dirty="0">
               <a:solidFill>
@@ -30944,7 +30907,7 @@
           <p:cNvPr id="12" name="Content Placeholder 2">
             <a:extLst>
               <a:ext uri="{FF2B5EF4-FFF2-40B4-BE49-F238E27FC236}">
-                <a16:creationId xmlns:a16="http://schemas.microsoft.com/office/drawing/2014/main" xmlns="" id="{A66B41CA-B924-43B7-B1E0-0509271D70B9}"/>
+                <a16:creationId xmlns="" xmlns:a16="http://schemas.microsoft.com/office/drawing/2014/main" id="{A66B41CA-B924-43B7-B1E0-0509271D70B9}"/>
               </a:ext>
             </a:extLst>
           </p:cNvPr>
@@ -31069,7 +31032,7 @@
           <p:cNvPr id="13" name="Content Placeholder 2">
             <a:extLst>
               <a:ext uri="{FF2B5EF4-FFF2-40B4-BE49-F238E27FC236}">
-                <a16:creationId xmlns:a16="http://schemas.microsoft.com/office/drawing/2014/main" xmlns="" id="{A66B41CA-B924-43B7-B1E0-0509271D70B9}"/>
+                <a16:creationId xmlns="" xmlns:a16="http://schemas.microsoft.com/office/drawing/2014/main" id="{A66B41CA-B924-43B7-B1E0-0509271D70B9}"/>
               </a:ext>
             </a:extLst>
           </p:cNvPr>
@@ -33732,7 +33695,7 @@
           <p:cNvPr id="7" name="Picture 5">
             <a:extLst>
               <a:ext uri="{FF2B5EF4-FFF2-40B4-BE49-F238E27FC236}">
-                <a16:creationId xmlns:a16="http://schemas.microsoft.com/office/drawing/2014/main" xmlns="" id="{9B4E72B6-A598-45FF-86A3-C5E240FD0394}"/>
+                <a16:creationId xmlns="" xmlns:a16="http://schemas.microsoft.com/office/drawing/2014/main" id="{9B4E72B6-A598-45FF-86A3-C5E240FD0394}"/>
               </a:ext>
             </a:extLst>
           </p:cNvPr>
@@ -33776,7 +33739,7 @@
             <p:cNvPr id="10" name="TextBox 9">
               <a:extLst>
                 <a:ext uri="{FF2B5EF4-FFF2-40B4-BE49-F238E27FC236}">
-                  <a16:creationId xmlns:a16="http://schemas.microsoft.com/office/drawing/2014/main" xmlns="" id="{52CE12FA-7AF9-4E51-83C2-E9B71C9AB665}"/>
+                  <a16:creationId xmlns="" xmlns:a16="http://schemas.microsoft.com/office/drawing/2014/main" id="{52CE12FA-7AF9-4E51-83C2-E9B71C9AB665}"/>
                 </a:ext>
               </a:extLst>
             </p:cNvPr>
@@ -33860,7 +33823,7 @@
             <p:cNvPr id="14" name="Straight Arrow Connector 13">
               <a:extLst>
                 <a:ext uri="{FF2B5EF4-FFF2-40B4-BE49-F238E27FC236}">
-                  <a16:creationId xmlns:a16="http://schemas.microsoft.com/office/drawing/2014/main" xmlns="" id="{22FC2CFE-A0A1-42EA-B6BE-CD766B62709A}"/>
+                  <a16:creationId xmlns="" xmlns:a16="http://schemas.microsoft.com/office/drawing/2014/main" id="{22FC2CFE-A0A1-42EA-B6BE-CD766B62709A}"/>
                 </a:ext>
               </a:extLst>
             </p:cNvPr>
@@ -33902,7 +33865,7 @@
           <p:cNvPr id="11" name="Title 1">
             <a:extLst>
               <a:ext uri="{FF2B5EF4-FFF2-40B4-BE49-F238E27FC236}">
-                <a16:creationId xmlns:a16="http://schemas.microsoft.com/office/drawing/2014/main" xmlns="" id="{B0F156AD-301E-4427-9FE2-B418C609B403}"/>
+                <a16:creationId xmlns="" xmlns:a16="http://schemas.microsoft.com/office/drawing/2014/main" id="{B0F156AD-301E-4427-9FE2-B418C609B403}"/>
               </a:ext>
             </a:extLst>
           </p:cNvPr>
@@ -33976,7 +33939,7 @@
           <p:cNvPr id="13" name="Content Placeholder 2">
             <a:extLst>
               <a:ext uri="{FF2B5EF4-FFF2-40B4-BE49-F238E27FC236}">
-                <a16:creationId xmlns:a16="http://schemas.microsoft.com/office/drawing/2014/main" xmlns="" id="{A66B41CA-B924-43B7-B1E0-0509271D70B9}"/>
+                <a16:creationId xmlns="" xmlns:a16="http://schemas.microsoft.com/office/drawing/2014/main" id="{A66B41CA-B924-43B7-B1E0-0509271D70B9}"/>
               </a:ext>
             </a:extLst>
           </p:cNvPr>
@@ -34674,7 +34637,7 @@
           <p:cNvPr id="7" name="Picture 5">
             <a:extLst>
               <a:ext uri="{FF2B5EF4-FFF2-40B4-BE49-F238E27FC236}">
-                <a16:creationId xmlns:a16="http://schemas.microsoft.com/office/drawing/2014/main" xmlns="" id="{9B4E72B6-A598-45FF-86A3-C5E240FD0394}"/>
+                <a16:creationId xmlns="" xmlns:a16="http://schemas.microsoft.com/office/drawing/2014/main" id="{9B4E72B6-A598-45FF-86A3-C5E240FD0394}"/>
               </a:ext>
             </a:extLst>
           </p:cNvPr>
@@ -34718,7 +34681,7 @@
             <p:cNvPr id="10" name="TextBox 9">
               <a:extLst>
                 <a:ext uri="{FF2B5EF4-FFF2-40B4-BE49-F238E27FC236}">
-                  <a16:creationId xmlns:a16="http://schemas.microsoft.com/office/drawing/2014/main" xmlns="" id="{52CE12FA-7AF9-4E51-83C2-E9B71C9AB665}"/>
+                  <a16:creationId xmlns="" xmlns:a16="http://schemas.microsoft.com/office/drawing/2014/main" id="{52CE12FA-7AF9-4E51-83C2-E9B71C9AB665}"/>
                 </a:ext>
               </a:extLst>
             </p:cNvPr>
@@ -34802,7 +34765,7 @@
             <p:cNvPr id="14" name="Straight Arrow Connector 13">
               <a:extLst>
                 <a:ext uri="{FF2B5EF4-FFF2-40B4-BE49-F238E27FC236}">
-                  <a16:creationId xmlns:a16="http://schemas.microsoft.com/office/drawing/2014/main" xmlns="" id="{22FC2CFE-A0A1-42EA-B6BE-CD766B62709A}"/>
+                  <a16:creationId xmlns="" xmlns:a16="http://schemas.microsoft.com/office/drawing/2014/main" id="{22FC2CFE-A0A1-42EA-B6BE-CD766B62709A}"/>
                 </a:ext>
               </a:extLst>
             </p:cNvPr>
@@ -34844,7 +34807,7 @@
           <p:cNvPr id="11" name="Title 1">
             <a:extLst>
               <a:ext uri="{FF2B5EF4-FFF2-40B4-BE49-F238E27FC236}">
-                <a16:creationId xmlns:a16="http://schemas.microsoft.com/office/drawing/2014/main" xmlns="" id="{B0F156AD-301E-4427-9FE2-B418C609B403}"/>
+                <a16:creationId xmlns="" xmlns:a16="http://schemas.microsoft.com/office/drawing/2014/main" id="{B0F156AD-301E-4427-9FE2-B418C609B403}"/>
               </a:ext>
             </a:extLst>
           </p:cNvPr>
@@ -34918,7 +34881,7 @@
           <p:cNvPr id="12" name="Content Placeholder 2">
             <a:extLst>
               <a:ext uri="{FF2B5EF4-FFF2-40B4-BE49-F238E27FC236}">
-                <a16:creationId xmlns:a16="http://schemas.microsoft.com/office/drawing/2014/main" xmlns="" id="{A66B41CA-B924-43B7-B1E0-0509271D70B9}"/>
+                <a16:creationId xmlns="" xmlns:a16="http://schemas.microsoft.com/office/drawing/2014/main" id="{A66B41CA-B924-43B7-B1E0-0509271D70B9}"/>
               </a:ext>
             </a:extLst>
           </p:cNvPr>
@@ -35296,7 +35259,7 @@
           <p:cNvPr id="13" name="Content Placeholder 2">
             <a:extLst>
               <a:ext uri="{FF2B5EF4-FFF2-40B4-BE49-F238E27FC236}">
-                <a16:creationId xmlns:a16="http://schemas.microsoft.com/office/drawing/2014/main" xmlns="" id="{A66B41CA-B924-43B7-B1E0-0509271D70B9}"/>
+                <a16:creationId xmlns="" xmlns:a16="http://schemas.microsoft.com/office/drawing/2014/main" id="{A66B41CA-B924-43B7-B1E0-0509271D70B9}"/>
               </a:ext>
             </a:extLst>
           </p:cNvPr>
@@ -36086,7 +36049,7 @@
           <p:cNvPr id="7" name="Picture 5">
             <a:extLst>
               <a:ext uri="{FF2B5EF4-FFF2-40B4-BE49-F238E27FC236}">
-                <a16:creationId xmlns:a16="http://schemas.microsoft.com/office/drawing/2014/main" xmlns="" id="{9B4E72B6-A598-45FF-86A3-C5E240FD0394}"/>
+                <a16:creationId xmlns="" xmlns:a16="http://schemas.microsoft.com/office/drawing/2014/main" id="{9B4E72B6-A598-45FF-86A3-C5E240FD0394}"/>
               </a:ext>
             </a:extLst>
           </p:cNvPr>
@@ -36130,7 +36093,7 @@
             <p:cNvPr id="10" name="TextBox 9">
               <a:extLst>
                 <a:ext uri="{FF2B5EF4-FFF2-40B4-BE49-F238E27FC236}">
-                  <a16:creationId xmlns:a16="http://schemas.microsoft.com/office/drawing/2014/main" xmlns="" id="{52CE12FA-7AF9-4E51-83C2-E9B71C9AB665}"/>
+                  <a16:creationId xmlns="" xmlns:a16="http://schemas.microsoft.com/office/drawing/2014/main" id="{52CE12FA-7AF9-4E51-83C2-E9B71C9AB665}"/>
                 </a:ext>
               </a:extLst>
             </p:cNvPr>
@@ -36214,7 +36177,7 @@
             <p:cNvPr id="14" name="Straight Arrow Connector 13">
               <a:extLst>
                 <a:ext uri="{FF2B5EF4-FFF2-40B4-BE49-F238E27FC236}">
-                  <a16:creationId xmlns:a16="http://schemas.microsoft.com/office/drawing/2014/main" xmlns="" id="{22FC2CFE-A0A1-42EA-B6BE-CD766B62709A}"/>
+                  <a16:creationId xmlns="" xmlns:a16="http://schemas.microsoft.com/office/drawing/2014/main" id="{22FC2CFE-A0A1-42EA-B6BE-CD766B62709A}"/>
                 </a:ext>
               </a:extLst>
             </p:cNvPr>
@@ -36256,7 +36219,7 @@
           <p:cNvPr id="11" name="Title 1">
             <a:extLst>
               <a:ext uri="{FF2B5EF4-FFF2-40B4-BE49-F238E27FC236}">
-                <a16:creationId xmlns:a16="http://schemas.microsoft.com/office/drawing/2014/main" xmlns="" id="{B0F156AD-301E-4427-9FE2-B418C609B403}"/>
+                <a16:creationId xmlns="" xmlns:a16="http://schemas.microsoft.com/office/drawing/2014/main" id="{B0F156AD-301E-4427-9FE2-B418C609B403}"/>
               </a:ext>
             </a:extLst>
           </p:cNvPr>
@@ -36329,7 +36292,7 @@
           <p:cNvPr id="16" name="Content Placeholder 2">
             <a:extLst>
               <a:ext uri="{FF2B5EF4-FFF2-40B4-BE49-F238E27FC236}">
-                <a16:creationId xmlns:a16="http://schemas.microsoft.com/office/drawing/2014/main" xmlns="" id="{A66B41CA-B924-43B7-B1E0-0509271D70B9}"/>
+                <a16:creationId xmlns="" xmlns:a16="http://schemas.microsoft.com/office/drawing/2014/main" id="{A66B41CA-B924-43B7-B1E0-0509271D70B9}"/>
               </a:ext>
             </a:extLst>
           </p:cNvPr>
@@ -36614,9 +36577,6 @@
               </a:rPr>
               <a:t>	</a:t>
             </a:r>
-            <a:endParaRPr lang="en-US" sz="2600" dirty="0" smtClean="0">
-              <a:cs typeface="Calibri"/>
-            </a:endParaRPr>
           </a:p>
         </p:txBody>
       </p:sp>
@@ -36625,7 +36585,7 @@
           <p:cNvPr id="17" name="Content Placeholder 2">
             <a:extLst>
               <a:ext uri="{FF2B5EF4-FFF2-40B4-BE49-F238E27FC236}">
-                <a16:creationId xmlns:a16="http://schemas.microsoft.com/office/drawing/2014/main" xmlns="" id="{A66B41CA-B924-43B7-B1E0-0509271D70B9}"/>
+                <a16:creationId xmlns="" xmlns:a16="http://schemas.microsoft.com/office/drawing/2014/main" id="{A66B41CA-B924-43B7-B1E0-0509271D70B9}"/>
               </a:ext>
             </a:extLst>
           </p:cNvPr>
@@ -37002,7 +36962,7 @@
           <p:cNvPr id="7" name="Picture 5">
             <a:extLst>
               <a:ext uri="{FF2B5EF4-FFF2-40B4-BE49-F238E27FC236}">
-                <a16:creationId xmlns:a16="http://schemas.microsoft.com/office/drawing/2014/main" xmlns="" id="{9B4E72B6-A598-45FF-86A3-C5E240FD0394}"/>
+                <a16:creationId xmlns="" xmlns:a16="http://schemas.microsoft.com/office/drawing/2014/main" id="{9B4E72B6-A598-45FF-86A3-C5E240FD0394}"/>
               </a:ext>
             </a:extLst>
           </p:cNvPr>
@@ -37046,7 +37006,7 @@
             <p:cNvPr id="10" name="TextBox 9">
               <a:extLst>
                 <a:ext uri="{FF2B5EF4-FFF2-40B4-BE49-F238E27FC236}">
-                  <a16:creationId xmlns:a16="http://schemas.microsoft.com/office/drawing/2014/main" xmlns="" id="{52CE12FA-7AF9-4E51-83C2-E9B71C9AB665}"/>
+                  <a16:creationId xmlns="" xmlns:a16="http://schemas.microsoft.com/office/drawing/2014/main" id="{52CE12FA-7AF9-4E51-83C2-E9B71C9AB665}"/>
                 </a:ext>
               </a:extLst>
             </p:cNvPr>
@@ -37130,7 +37090,7 @@
             <p:cNvPr id="14" name="Straight Arrow Connector 13">
               <a:extLst>
                 <a:ext uri="{FF2B5EF4-FFF2-40B4-BE49-F238E27FC236}">
-                  <a16:creationId xmlns:a16="http://schemas.microsoft.com/office/drawing/2014/main" xmlns="" id="{22FC2CFE-A0A1-42EA-B6BE-CD766B62709A}"/>
+                  <a16:creationId xmlns="" xmlns:a16="http://schemas.microsoft.com/office/drawing/2014/main" id="{22FC2CFE-A0A1-42EA-B6BE-CD766B62709A}"/>
                 </a:ext>
               </a:extLst>
             </p:cNvPr>
@@ -37172,7 +37132,7 @@
           <p:cNvPr id="11" name="Title 1">
             <a:extLst>
               <a:ext uri="{FF2B5EF4-FFF2-40B4-BE49-F238E27FC236}">
-                <a16:creationId xmlns:a16="http://schemas.microsoft.com/office/drawing/2014/main" xmlns="" id="{B0F156AD-301E-4427-9FE2-B418C609B403}"/>
+                <a16:creationId xmlns="" xmlns:a16="http://schemas.microsoft.com/office/drawing/2014/main" id="{B0F156AD-301E-4427-9FE2-B418C609B403}"/>
               </a:ext>
             </a:extLst>
           </p:cNvPr>
@@ -37245,7 +37205,7 @@
           <p:cNvPr id="16" name="Content Placeholder 2">
             <a:extLst>
               <a:ext uri="{FF2B5EF4-FFF2-40B4-BE49-F238E27FC236}">
-                <a16:creationId xmlns:a16="http://schemas.microsoft.com/office/drawing/2014/main" xmlns="" id="{A66B41CA-B924-43B7-B1E0-0509271D70B9}"/>
+                <a16:creationId xmlns="" xmlns:a16="http://schemas.microsoft.com/office/drawing/2014/main" id="{A66B41CA-B924-43B7-B1E0-0509271D70B9}"/>
               </a:ext>
             </a:extLst>
           </p:cNvPr>
@@ -37530,9 +37490,6 @@
               </a:rPr>
               <a:t>	</a:t>
             </a:r>
-            <a:endParaRPr lang="en-US" sz="2600" dirty="0" smtClean="0">
-              <a:cs typeface="Calibri"/>
-            </a:endParaRPr>
           </a:p>
         </p:txBody>
       </p:sp>
@@ -37541,7 +37498,7 @@
           <p:cNvPr id="17" name="Content Placeholder 2">
             <a:extLst>
               <a:ext uri="{FF2B5EF4-FFF2-40B4-BE49-F238E27FC236}">
-                <a16:creationId xmlns:a16="http://schemas.microsoft.com/office/drawing/2014/main" xmlns="" id="{A66B41CA-B924-43B7-B1E0-0509271D70B9}"/>
+                <a16:creationId xmlns="" xmlns:a16="http://schemas.microsoft.com/office/drawing/2014/main" id="{A66B41CA-B924-43B7-B1E0-0509271D70B9}"/>
               </a:ext>
             </a:extLst>
           </p:cNvPr>
@@ -38125,7 +38082,7 @@
           <p:cNvPr id="7" name="Picture 5">
             <a:extLst>
               <a:ext uri="{FF2B5EF4-FFF2-40B4-BE49-F238E27FC236}">
-                <a16:creationId xmlns:a16="http://schemas.microsoft.com/office/drawing/2014/main" xmlns="" id="{9B4E72B6-A598-45FF-86A3-C5E240FD0394}"/>
+                <a16:creationId xmlns="" xmlns:a16="http://schemas.microsoft.com/office/drawing/2014/main" id="{9B4E72B6-A598-45FF-86A3-C5E240FD0394}"/>
               </a:ext>
             </a:extLst>
           </p:cNvPr>
@@ -38169,7 +38126,7 @@
             <p:cNvPr id="10" name="TextBox 9">
               <a:extLst>
                 <a:ext uri="{FF2B5EF4-FFF2-40B4-BE49-F238E27FC236}">
-                  <a16:creationId xmlns:a16="http://schemas.microsoft.com/office/drawing/2014/main" xmlns="" id="{52CE12FA-7AF9-4E51-83C2-E9B71C9AB665}"/>
+                  <a16:creationId xmlns="" xmlns:a16="http://schemas.microsoft.com/office/drawing/2014/main" id="{52CE12FA-7AF9-4E51-83C2-E9B71C9AB665}"/>
                 </a:ext>
               </a:extLst>
             </p:cNvPr>
@@ -38253,7 +38210,7 @@
             <p:cNvPr id="14" name="Straight Arrow Connector 13">
               <a:extLst>
                 <a:ext uri="{FF2B5EF4-FFF2-40B4-BE49-F238E27FC236}">
-                  <a16:creationId xmlns:a16="http://schemas.microsoft.com/office/drawing/2014/main" xmlns="" id="{22FC2CFE-A0A1-42EA-B6BE-CD766B62709A}"/>
+                  <a16:creationId xmlns="" xmlns:a16="http://schemas.microsoft.com/office/drawing/2014/main" id="{22FC2CFE-A0A1-42EA-B6BE-CD766B62709A}"/>
                 </a:ext>
               </a:extLst>
             </p:cNvPr>
@@ -38295,7 +38252,7 @@
           <p:cNvPr id="11" name="Title 1">
             <a:extLst>
               <a:ext uri="{FF2B5EF4-FFF2-40B4-BE49-F238E27FC236}">
-                <a16:creationId xmlns:a16="http://schemas.microsoft.com/office/drawing/2014/main" xmlns="" id="{B0F156AD-301E-4427-9FE2-B418C609B403}"/>
+                <a16:creationId xmlns="" xmlns:a16="http://schemas.microsoft.com/office/drawing/2014/main" id="{B0F156AD-301E-4427-9FE2-B418C609B403}"/>
               </a:ext>
             </a:extLst>
           </p:cNvPr>
@@ -38368,7 +38325,7 @@
           <p:cNvPr id="16" name="Content Placeholder 2">
             <a:extLst>
               <a:ext uri="{FF2B5EF4-FFF2-40B4-BE49-F238E27FC236}">
-                <a16:creationId xmlns:a16="http://schemas.microsoft.com/office/drawing/2014/main" xmlns="" id="{A66B41CA-B924-43B7-B1E0-0509271D70B9}"/>
+                <a16:creationId xmlns="" xmlns:a16="http://schemas.microsoft.com/office/drawing/2014/main" id="{A66B41CA-B924-43B7-B1E0-0509271D70B9}"/>
               </a:ext>
             </a:extLst>
           </p:cNvPr>
@@ -38653,9 +38610,6 @@
               </a:rPr>
               <a:t>	</a:t>
             </a:r>
-            <a:endParaRPr lang="en-US" sz="2600" dirty="0" smtClean="0">
-              <a:cs typeface="Calibri"/>
-            </a:endParaRPr>
           </a:p>
         </p:txBody>
       </p:sp>
@@ -38664,7 +38618,7 @@
           <p:cNvPr id="17" name="Content Placeholder 2">
             <a:extLst>
               <a:ext uri="{FF2B5EF4-FFF2-40B4-BE49-F238E27FC236}">
-                <a16:creationId xmlns:a16="http://schemas.microsoft.com/office/drawing/2014/main" xmlns="" id="{A66B41CA-B924-43B7-B1E0-0509271D70B9}"/>
+                <a16:creationId xmlns="" xmlns:a16="http://schemas.microsoft.com/office/drawing/2014/main" id="{A66B41CA-B924-43B7-B1E0-0509271D70B9}"/>
               </a:ext>
             </a:extLst>
           </p:cNvPr>
@@ -39004,7 +38958,7 @@
           <p:cNvPr id="18" name="Content Placeholder 2">
             <a:extLst>
               <a:ext uri="{FF2B5EF4-FFF2-40B4-BE49-F238E27FC236}">
-                <a16:creationId xmlns:a16="http://schemas.microsoft.com/office/drawing/2014/main" xmlns="" id="{A66B41CA-B924-43B7-B1E0-0509271D70B9}"/>
+                <a16:creationId xmlns="" xmlns:a16="http://schemas.microsoft.com/office/drawing/2014/main" id="{A66B41CA-B924-43B7-B1E0-0509271D70B9}"/>
               </a:ext>
             </a:extLst>
           </p:cNvPr>
@@ -39631,7 +39585,7 @@
           <p:cNvPr id="7" name="Picture 5">
             <a:extLst>
               <a:ext uri="{FF2B5EF4-FFF2-40B4-BE49-F238E27FC236}">
-                <a16:creationId xmlns:a16="http://schemas.microsoft.com/office/drawing/2014/main" xmlns="" id="{9B4E72B6-A598-45FF-86A3-C5E240FD0394}"/>
+                <a16:creationId xmlns="" xmlns:a16="http://schemas.microsoft.com/office/drawing/2014/main" id="{9B4E72B6-A598-45FF-86A3-C5E240FD0394}"/>
               </a:ext>
             </a:extLst>
           </p:cNvPr>
@@ -39675,7 +39629,7 @@
             <p:cNvPr id="10" name="TextBox 9">
               <a:extLst>
                 <a:ext uri="{FF2B5EF4-FFF2-40B4-BE49-F238E27FC236}">
-                  <a16:creationId xmlns:a16="http://schemas.microsoft.com/office/drawing/2014/main" xmlns="" id="{52CE12FA-7AF9-4E51-83C2-E9B71C9AB665}"/>
+                  <a16:creationId xmlns="" xmlns:a16="http://schemas.microsoft.com/office/drawing/2014/main" id="{52CE12FA-7AF9-4E51-83C2-E9B71C9AB665}"/>
                 </a:ext>
               </a:extLst>
             </p:cNvPr>
@@ -39759,7 +39713,7 @@
             <p:cNvPr id="14" name="Straight Arrow Connector 13">
               <a:extLst>
                 <a:ext uri="{FF2B5EF4-FFF2-40B4-BE49-F238E27FC236}">
-                  <a16:creationId xmlns:a16="http://schemas.microsoft.com/office/drawing/2014/main" xmlns="" id="{22FC2CFE-A0A1-42EA-B6BE-CD766B62709A}"/>
+                  <a16:creationId xmlns="" xmlns:a16="http://schemas.microsoft.com/office/drawing/2014/main" id="{22FC2CFE-A0A1-42EA-B6BE-CD766B62709A}"/>
                 </a:ext>
               </a:extLst>
             </p:cNvPr>
@@ -39801,7 +39755,7 @@
           <p:cNvPr id="11" name="Title 1">
             <a:extLst>
               <a:ext uri="{FF2B5EF4-FFF2-40B4-BE49-F238E27FC236}">
-                <a16:creationId xmlns:a16="http://schemas.microsoft.com/office/drawing/2014/main" xmlns="" id="{B0F156AD-301E-4427-9FE2-B418C609B403}"/>
+                <a16:creationId xmlns="" xmlns:a16="http://schemas.microsoft.com/office/drawing/2014/main" id="{B0F156AD-301E-4427-9FE2-B418C609B403}"/>
               </a:ext>
             </a:extLst>
           </p:cNvPr>
@@ -39918,19 +39872,7 @@
                 <a:latin typeface="+mn-lt"/>
                 <a:cs typeface="Calibri Light"/>
               </a:rPr>
-              <a:t>H</a:t>
-            </a:r>
-            <a:r>
-              <a:rPr lang="cs-CZ" b="1" dirty="0" err="1" smtClean="0">
-                <a:solidFill>
-                  <a:schemeClr val="accent2">
-                    <a:lumMod val="75000"/>
-                  </a:schemeClr>
-                </a:solidFill>
-                <a:latin typeface="+mn-lt"/>
-                <a:cs typeface="Calibri Light"/>
-              </a:rPr>
-              <a:t>ave</a:t>
+              <a:t>Have</a:t>
             </a:r>
             <a:r>
               <a:rPr lang="cs-CZ" b="1" dirty="0" smtClean="0">
@@ -39972,7 +39914,7 @@
           <p:cNvPr id="12" name="Content Placeholder 2">
             <a:extLst>
               <a:ext uri="{FF2B5EF4-FFF2-40B4-BE49-F238E27FC236}">
-                <a16:creationId xmlns:a16="http://schemas.microsoft.com/office/drawing/2014/main" xmlns="" id="{A66B41CA-B924-43B7-B1E0-0509271D70B9}"/>
+                <a16:creationId xmlns="" xmlns:a16="http://schemas.microsoft.com/office/drawing/2014/main" id="{A66B41CA-B924-43B7-B1E0-0509271D70B9}"/>
               </a:ext>
             </a:extLst>
           </p:cNvPr>
@@ -40411,7 +40353,7 @@
           <p:cNvPr id="13" name="Content Placeholder 2">
             <a:extLst>
               <a:ext uri="{FF2B5EF4-FFF2-40B4-BE49-F238E27FC236}">
-                <a16:creationId xmlns:a16="http://schemas.microsoft.com/office/drawing/2014/main" xmlns="" id="{A66B41CA-B924-43B7-B1E0-0509271D70B9}"/>
+                <a16:creationId xmlns="" xmlns:a16="http://schemas.microsoft.com/office/drawing/2014/main" id="{A66B41CA-B924-43B7-B1E0-0509271D70B9}"/>
               </a:ext>
             </a:extLst>
           </p:cNvPr>
@@ -41053,7 +40995,7 @@
           <p:cNvPr id="7" name="Picture 5">
             <a:extLst>
               <a:ext uri="{FF2B5EF4-FFF2-40B4-BE49-F238E27FC236}">
-                <a16:creationId xmlns:a16="http://schemas.microsoft.com/office/drawing/2014/main" xmlns="" id="{9B4E72B6-A598-45FF-86A3-C5E240FD0394}"/>
+                <a16:creationId xmlns="" xmlns:a16="http://schemas.microsoft.com/office/drawing/2014/main" id="{9B4E72B6-A598-45FF-86A3-C5E240FD0394}"/>
               </a:ext>
             </a:extLst>
           </p:cNvPr>
@@ -41097,7 +41039,7 @@
             <p:cNvPr id="10" name="TextBox 9">
               <a:extLst>
                 <a:ext uri="{FF2B5EF4-FFF2-40B4-BE49-F238E27FC236}">
-                  <a16:creationId xmlns:a16="http://schemas.microsoft.com/office/drawing/2014/main" xmlns="" id="{52CE12FA-7AF9-4E51-83C2-E9B71C9AB665}"/>
+                  <a16:creationId xmlns="" xmlns:a16="http://schemas.microsoft.com/office/drawing/2014/main" id="{52CE12FA-7AF9-4E51-83C2-E9B71C9AB665}"/>
                 </a:ext>
               </a:extLst>
             </p:cNvPr>
@@ -41181,7 +41123,7 @@
             <p:cNvPr id="14" name="Straight Arrow Connector 13">
               <a:extLst>
                 <a:ext uri="{FF2B5EF4-FFF2-40B4-BE49-F238E27FC236}">
-                  <a16:creationId xmlns:a16="http://schemas.microsoft.com/office/drawing/2014/main" xmlns="" id="{22FC2CFE-A0A1-42EA-B6BE-CD766B62709A}"/>
+                  <a16:creationId xmlns="" xmlns:a16="http://schemas.microsoft.com/office/drawing/2014/main" id="{22FC2CFE-A0A1-42EA-B6BE-CD766B62709A}"/>
                 </a:ext>
               </a:extLst>
             </p:cNvPr>
@@ -41223,7 +41165,7 @@
           <p:cNvPr id="11" name="Title 1">
             <a:extLst>
               <a:ext uri="{FF2B5EF4-FFF2-40B4-BE49-F238E27FC236}">
-                <a16:creationId xmlns:a16="http://schemas.microsoft.com/office/drawing/2014/main" xmlns="" id="{B0F156AD-301E-4427-9FE2-B418C609B403}"/>
+                <a16:creationId xmlns="" xmlns:a16="http://schemas.microsoft.com/office/drawing/2014/main" id="{B0F156AD-301E-4427-9FE2-B418C609B403}"/>
               </a:ext>
             </a:extLst>
           </p:cNvPr>
@@ -41340,19 +41282,7 @@
                 <a:latin typeface="+mn-lt"/>
                 <a:cs typeface="Calibri Light"/>
               </a:rPr>
-              <a:t>H</a:t>
-            </a:r>
-            <a:r>
-              <a:rPr lang="cs-CZ" b="1" dirty="0" err="1" smtClean="0">
-                <a:solidFill>
-                  <a:schemeClr val="accent2">
-                    <a:lumMod val="75000"/>
-                  </a:schemeClr>
-                </a:solidFill>
-                <a:latin typeface="+mn-lt"/>
-                <a:cs typeface="Calibri Light"/>
-              </a:rPr>
-              <a:t>ave</a:t>
+              <a:t>Have</a:t>
             </a:r>
             <a:r>
               <a:rPr lang="cs-CZ" b="1" dirty="0" smtClean="0">
@@ -41394,7 +41324,7 @@
           <p:cNvPr id="12" name="Content Placeholder 2">
             <a:extLst>
               <a:ext uri="{FF2B5EF4-FFF2-40B4-BE49-F238E27FC236}">
-                <a16:creationId xmlns:a16="http://schemas.microsoft.com/office/drawing/2014/main" xmlns="" id="{A66B41CA-B924-43B7-B1E0-0509271D70B9}"/>
+                <a16:creationId xmlns="" xmlns:a16="http://schemas.microsoft.com/office/drawing/2014/main" id="{A66B41CA-B924-43B7-B1E0-0509271D70B9}"/>
               </a:ext>
             </a:extLst>
           </p:cNvPr>
@@ -41803,7 +41733,7 @@
           <p:cNvPr id="13" name="Content Placeholder 2">
             <a:extLst>
               <a:ext uri="{FF2B5EF4-FFF2-40B4-BE49-F238E27FC236}">
-                <a16:creationId xmlns:a16="http://schemas.microsoft.com/office/drawing/2014/main" xmlns="" id="{A66B41CA-B924-43B7-B1E0-0509271D70B9}"/>
+                <a16:creationId xmlns="" xmlns:a16="http://schemas.microsoft.com/office/drawing/2014/main" id="{A66B41CA-B924-43B7-B1E0-0509271D70B9}"/>
               </a:ext>
             </a:extLst>
           </p:cNvPr>
@@ -42433,7 +42363,7 @@
             <p:cNvPr id="4" name="TextBox 3">
               <a:extLst>
                 <a:ext uri="{FF2B5EF4-FFF2-40B4-BE49-F238E27FC236}">
-                  <a16:creationId xmlns:a16="http://schemas.microsoft.com/office/drawing/2014/main" xmlns="" id="{52CE12FA-7AF9-4E51-83C2-E9B71C9AB665}"/>
+                  <a16:creationId xmlns="" xmlns:a16="http://schemas.microsoft.com/office/drawing/2014/main" id="{52CE12FA-7AF9-4E51-83C2-E9B71C9AB665}"/>
                 </a:ext>
               </a:extLst>
             </p:cNvPr>
@@ -42517,7 +42447,7 @@
             <p:cNvPr id="5" name="Straight Arrow Connector 4">
               <a:extLst>
                 <a:ext uri="{FF2B5EF4-FFF2-40B4-BE49-F238E27FC236}">
-                  <a16:creationId xmlns:a16="http://schemas.microsoft.com/office/drawing/2014/main" xmlns="" id="{22FC2CFE-A0A1-42EA-B6BE-CD766B62709A}"/>
+                  <a16:creationId xmlns="" xmlns:a16="http://schemas.microsoft.com/office/drawing/2014/main" id="{22FC2CFE-A0A1-42EA-B6BE-CD766B62709A}"/>
                 </a:ext>
               </a:extLst>
             </p:cNvPr>
@@ -42559,7 +42489,7 @@
           <p:cNvPr id="3" name="Content Placeholder 2">
             <a:extLst>
               <a:ext uri="{FF2B5EF4-FFF2-40B4-BE49-F238E27FC236}">
-                <a16:creationId xmlns:a16="http://schemas.microsoft.com/office/drawing/2014/main" xmlns="" id="{A66B41CA-B924-43B7-B1E0-0509271D70B9}"/>
+                <a16:creationId xmlns="" xmlns:a16="http://schemas.microsoft.com/office/drawing/2014/main" id="{A66B41CA-B924-43B7-B1E0-0509271D70B9}"/>
               </a:ext>
             </a:extLst>
           </p:cNvPr>
@@ -42605,37 +42535,8 @@
                 </a:effectLst>
                 <a:cs typeface="Calibri"/>
               </a:rPr>
-              <a:t>M</a:t>
-            </a:r>
-            <a:r>
-              <a:rPr lang="en-US" sz="3000" dirty="0" smtClean="0">
-                <a:solidFill>
-                  <a:srgbClr val="C55A11"/>
-                </a:solidFill>
-                <a:effectLst>
-                  <a:outerShdw blurRad="38100" dist="38100" dir="2700000" algn="tl">
-                    <a:srgbClr val="000000">
-                      <a:alpha val="43137"/>
-                    </a:srgbClr>
-                  </a:outerShdw>
-                </a:effectLst>
-                <a:cs typeface="Calibri"/>
-              </a:rPr>
-              <a:t>eaning representation</a:t>
-            </a:r>
-            <a:endParaRPr lang="en-US" sz="3000" dirty="0" smtClean="0">
-              <a:solidFill>
-                <a:srgbClr val="C55A11"/>
-              </a:solidFill>
-              <a:effectLst>
-                <a:outerShdw blurRad="38100" dist="38100" dir="2700000" algn="tl">
-                  <a:srgbClr val="000000">
-                    <a:alpha val="43137"/>
-                  </a:srgbClr>
-                </a:outerShdw>
-              </a:effectLst>
-              <a:cs typeface="Calibri"/>
-            </a:endParaRPr>
+              <a:t>Meaning representation</a:t>
+            </a:r>
           </a:p>
           <a:p>
             <a:pPr>
@@ -42744,7 +42645,7 @@
           <p:cNvPr id="7" name="Picture 5">
             <a:extLst>
               <a:ext uri="{FF2B5EF4-FFF2-40B4-BE49-F238E27FC236}">
-                <a16:creationId xmlns:a16="http://schemas.microsoft.com/office/drawing/2014/main" xmlns="" id="{9B4E72B6-A598-45FF-86A3-C5E240FD0394}"/>
+                <a16:creationId xmlns="" xmlns:a16="http://schemas.microsoft.com/office/drawing/2014/main" id="{9B4E72B6-A598-45FF-86A3-C5E240FD0394}"/>
               </a:ext>
             </a:extLst>
           </p:cNvPr>
@@ -42774,7 +42675,7 @@
           <p:cNvPr id="8" name="Title 1">
             <a:extLst>
               <a:ext uri="{FF2B5EF4-FFF2-40B4-BE49-F238E27FC236}">
-                <a16:creationId xmlns:a16="http://schemas.microsoft.com/office/drawing/2014/main" xmlns="" id="{B0F156AD-301E-4427-9FE2-B418C609B403}"/>
+                <a16:creationId xmlns="" xmlns:a16="http://schemas.microsoft.com/office/drawing/2014/main" id="{B0F156AD-301E-4427-9FE2-B418C609B403}"/>
               </a:ext>
             </a:extLst>
           </p:cNvPr>
@@ -42867,7 +42768,7 @@
           <p:cNvPr id="10" name="Content Placeholder 2">
             <a:extLst>
               <a:ext uri="{FF2B5EF4-FFF2-40B4-BE49-F238E27FC236}">
-                <a16:creationId xmlns:a16="http://schemas.microsoft.com/office/drawing/2014/main" xmlns="" id="{A66B41CA-B924-43B7-B1E0-0509271D70B9}"/>
+                <a16:creationId xmlns="" xmlns:a16="http://schemas.microsoft.com/office/drawing/2014/main" id="{A66B41CA-B924-43B7-B1E0-0509271D70B9}"/>
               </a:ext>
             </a:extLst>
           </p:cNvPr>
@@ -43175,7 +43076,7 @@
           <p:cNvPr id="14" name="Content Placeholder 2">
             <a:extLst>
               <a:ext uri="{FF2B5EF4-FFF2-40B4-BE49-F238E27FC236}">
-                <a16:creationId xmlns:a16="http://schemas.microsoft.com/office/drawing/2014/main" xmlns="" id="{A66B41CA-B924-43B7-B1E0-0509271D70B9}"/>
+                <a16:creationId xmlns="" xmlns:a16="http://schemas.microsoft.com/office/drawing/2014/main" id="{A66B41CA-B924-43B7-B1E0-0509271D70B9}"/>
               </a:ext>
             </a:extLst>
           </p:cNvPr>
@@ -43481,7 +43382,7 @@
           <p:cNvPr id="7" name="Picture 5">
             <a:extLst>
               <a:ext uri="{FF2B5EF4-FFF2-40B4-BE49-F238E27FC236}">
-                <a16:creationId xmlns:a16="http://schemas.microsoft.com/office/drawing/2014/main" xmlns="" id="{9B4E72B6-A598-45FF-86A3-C5E240FD0394}"/>
+                <a16:creationId xmlns="" xmlns:a16="http://schemas.microsoft.com/office/drawing/2014/main" id="{9B4E72B6-A598-45FF-86A3-C5E240FD0394}"/>
               </a:ext>
             </a:extLst>
           </p:cNvPr>
@@ -43525,7 +43426,7 @@
             <p:cNvPr id="10" name="TextBox 9">
               <a:extLst>
                 <a:ext uri="{FF2B5EF4-FFF2-40B4-BE49-F238E27FC236}">
-                  <a16:creationId xmlns:a16="http://schemas.microsoft.com/office/drawing/2014/main" xmlns="" id="{52CE12FA-7AF9-4E51-83C2-E9B71C9AB665}"/>
+                  <a16:creationId xmlns="" xmlns:a16="http://schemas.microsoft.com/office/drawing/2014/main" id="{52CE12FA-7AF9-4E51-83C2-E9B71C9AB665}"/>
                 </a:ext>
               </a:extLst>
             </p:cNvPr>
@@ -43609,7 +43510,7 @@
             <p:cNvPr id="14" name="Straight Arrow Connector 13">
               <a:extLst>
                 <a:ext uri="{FF2B5EF4-FFF2-40B4-BE49-F238E27FC236}">
-                  <a16:creationId xmlns:a16="http://schemas.microsoft.com/office/drawing/2014/main" xmlns="" id="{22FC2CFE-A0A1-42EA-B6BE-CD766B62709A}"/>
+                  <a16:creationId xmlns="" xmlns:a16="http://schemas.microsoft.com/office/drawing/2014/main" id="{22FC2CFE-A0A1-42EA-B6BE-CD766B62709A}"/>
                 </a:ext>
               </a:extLst>
             </p:cNvPr>
@@ -43651,7 +43552,7 @@
           <p:cNvPr id="11" name="Title 1">
             <a:extLst>
               <a:ext uri="{FF2B5EF4-FFF2-40B4-BE49-F238E27FC236}">
-                <a16:creationId xmlns:a16="http://schemas.microsoft.com/office/drawing/2014/main" xmlns="" id="{B0F156AD-301E-4427-9FE2-B418C609B403}"/>
+                <a16:creationId xmlns="" xmlns:a16="http://schemas.microsoft.com/office/drawing/2014/main" id="{B0F156AD-301E-4427-9FE2-B418C609B403}"/>
               </a:ext>
             </a:extLst>
           </p:cNvPr>
@@ -43768,19 +43669,7 @@
                 <a:latin typeface="+mn-lt"/>
                 <a:cs typeface="Calibri Light"/>
               </a:rPr>
-              <a:t>H</a:t>
-            </a:r>
-            <a:r>
-              <a:rPr lang="cs-CZ" b="1" dirty="0" err="1" smtClean="0">
-                <a:solidFill>
-                  <a:schemeClr val="accent2">
-                    <a:lumMod val="75000"/>
-                  </a:schemeClr>
-                </a:solidFill>
-                <a:latin typeface="+mn-lt"/>
-                <a:cs typeface="Calibri Light"/>
-              </a:rPr>
-              <a:t>ave</a:t>
+              <a:t>Have</a:t>
             </a:r>
             <a:r>
               <a:rPr lang="cs-CZ" b="1" dirty="0" smtClean="0">
@@ -43822,7 +43711,7 @@
           <p:cNvPr id="12" name="Content Placeholder 2">
             <a:extLst>
               <a:ext uri="{FF2B5EF4-FFF2-40B4-BE49-F238E27FC236}">
-                <a16:creationId xmlns:a16="http://schemas.microsoft.com/office/drawing/2014/main" xmlns="" id="{A66B41CA-B924-43B7-B1E0-0509271D70B9}"/>
+                <a16:creationId xmlns="" xmlns:a16="http://schemas.microsoft.com/office/drawing/2014/main" id="{A66B41CA-B924-43B7-B1E0-0509271D70B9}"/>
               </a:ext>
             </a:extLst>
           </p:cNvPr>
@@ -44175,7 +44064,7 @@
           <p:cNvPr id="13" name="Content Placeholder 2">
             <a:extLst>
               <a:ext uri="{FF2B5EF4-FFF2-40B4-BE49-F238E27FC236}">
-                <a16:creationId xmlns:a16="http://schemas.microsoft.com/office/drawing/2014/main" xmlns="" id="{A66B41CA-B924-43B7-B1E0-0509271D70B9}"/>
+                <a16:creationId xmlns="" xmlns:a16="http://schemas.microsoft.com/office/drawing/2014/main" id="{A66B41CA-B924-43B7-B1E0-0509271D70B9}"/>
               </a:ext>
             </a:extLst>
           </p:cNvPr>
@@ -44740,7 +44629,7 @@
           <p:cNvPr id="7" name="Picture 5">
             <a:extLst>
               <a:ext uri="{FF2B5EF4-FFF2-40B4-BE49-F238E27FC236}">
-                <a16:creationId xmlns:a16="http://schemas.microsoft.com/office/drawing/2014/main" xmlns="" id="{9B4E72B6-A598-45FF-86A3-C5E240FD0394}"/>
+                <a16:creationId xmlns="" xmlns:a16="http://schemas.microsoft.com/office/drawing/2014/main" id="{9B4E72B6-A598-45FF-86A3-C5E240FD0394}"/>
               </a:ext>
             </a:extLst>
           </p:cNvPr>
@@ -44784,7 +44673,7 @@
             <p:cNvPr id="10" name="TextBox 9">
               <a:extLst>
                 <a:ext uri="{FF2B5EF4-FFF2-40B4-BE49-F238E27FC236}">
-                  <a16:creationId xmlns:a16="http://schemas.microsoft.com/office/drawing/2014/main" xmlns="" id="{52CE12FA-7AF9-4E51-83C2-E9B71C9AB665}"/>
+                  <a16:creationId xmlns="" xmlns:a16="http://schemas.microsoft.com/office/drawing/2014/main" id="{52CE12FA-7AF9-4E51-83C2-E9B71C9AB665}"/>
                 </a:ext>
               </a:extLst>
             </p:cNvPr>
@@ -44868,7 +44757,7 @@
             <p:cNvPr id="14" name="Straight Arrow Connector 13">
               <a:extLst>
                 <a:ext uri="{FF2B5EF4-FFF2-40B4-BE49-F238E27FC236}">
-                  <a16:creationId xmlns:a16="http://schemas.microsoft.com/office/drawing/2014/main" xmlns="" id="{22FC2CFE-A0A1-42EA-B6BE-CD766B62709A}"/>
+                  <a16:creationId xmlns="" xmlns:a16="http://schemas.microsoft.com/office/drawing/2014/main" id="{22FC2CFE-A0A1-42EA-B6BE-CD766B62709A}"/>
                 </a:ext>
               </a:extLst>
             </p:cNvPr>
@@ -44910,7 +44799,7 @@
           <p:cNvPr id="11" name="Title 1">
             <a:extLst>
               <a:ext uri="{FF2B5EF4-FFF2-40B4-BE49-F238E27FC236}">
-                <a16:creationId xmlns:a16="http://schemas.microsoft.com/office/drawing/2014/main" xmlns="" id="{B0F156AD-301E-4427-9FE2-B418C609B403}"/>
+                <a16:creationId xmlns="" xmlns:a16="http://schemas.microsoft.com/office/drawing/2014/main" id="{B0F156AD-301E-4427-9FE2-B418C609B403}"/>
               </a:ext>
             </a:extLst>
           </p:cNvPr>
@@ -44983,7 +44872,7 @@
           <p:cNvPr id="15" name="Content Placeholder 2">
             <a:extLst>
               <a:ext uri="{FF2B5EF4-FFF2-40B4-BE49-F238E27FC236}">
-                <a16:creationId xmlns:a16="http://schemas.microsoft.com/office/drawing/2014/main" xmlns="" id="{A66B41CA-B924-43B7-B1E0-0509271D70B9}"/>
+                <a16:creationId xmlns="" xmlns:a16="http://schemas.microsoft.com/office/drawing/2014/main" id="{A66B41CA-B924-43B7-B1E0-0509271D70B9}"/>
               </a:ext>
             </a:extLst>
           </p:cNvPr>
@@ -45150,9 +45039,6 @@
               </a:rPr>
               <a:t> for the time being), …</a:t>
             </a:r>
-            <a:endParaRPr lang="en-US" sz="2200" dirty="0" smtClean="0">
-              <a:cs typeface="Calibri"/>
-            </a:endParaRPr>
           </a:p>
           <a:p>
             <a:pPr>
@@ -45192,13 +45078,7 @@
               <a:rPr lang="en-US" sz="2600" dirty="0" smtClean="0">
                 <a:cs typeface="Calibri"/>
               </a:rPr>
-              <a:t>S</a:t>
-            </a:r>
-            <a:r>
-              <a:rPr lang="en-US" sz="2600" dirty="0" smtClean="0">
-                <a:cs typeface="Calibri"/>
-              </a:rPr>
-              <a:t>tructured data – addresses, sport scores, weather forecast, tables, …. 										(whatever appears in texts)   </a:t>
+              <a:t>Structured data – addresses, sport scores, weather forecast, tables, …. 										(whatever appears in texts)   </a:t>
             </a:r>
           </a:p>
           <a:p>
@@ -45277,7 +45157,7 @@
           <p:cNvPr id="2" name="Title 1">
             <a:extLst>
               <a:ext uri="{FF2B5EF4-FFF2-40B4-BE49-F238E27FC236}">
-                <a16:creationId xmlns:a16="http://schemas.microsoft.com/office/drawing/2014/main" xmlns="" id="{B0F156AD-301E-4427-9FE2-B418C609B403}"/>
+                <a16:creationId xmlns="" xmlns:a16="http://schemas.microsoft.com/office/drawing/2014/main" id="{B0F156AD-301E-4427-9FE2-B418C609B403}"/>
               </a:ext>
             </a:extLst>
           </p:cNvPr>
@@ -45368,7 +45248,7 @@
           <p:cNvPr id="8" name="Picture 5">
             <a:extLst>
               <a:ext uri="{FF2B5EF4-FFF2-40B4-BE49-F238E27FC236}">
-                <a16:creationId xmlns:a16="http://schemas.microsoft.com/office/drawing/2014/main" xmlns="" id="{FAC0DD04-B8A4-45BE-9A0A-D0351BF74A8D}"/>
+                <a16:creationId xmlns="" xmlns:a16="http://schemas.microsoft.com/office/drawing/2014/main" id="{FAC0DD04-B8A4-45BE-9A0A-D0351BF74A8D}"/>
               </a:ext>
             </a:extLst>
           </p:cNvPr>
@@ -45415,7 +45295,7 @@
           <a:graphicData uri="http://schemas.openxmlformats.org/presentationml/2006/ole">
             <mc:AlternateContent xmlns:mc="http://schemas.openxmlformats.org/markup-compatibility/2006">
               <mc:Choice xmlns:v="urn:schemas-microsoft-com:vml" Requires="v">
-                <p:oleObj spid="_x0000_s2486" name="Acrobat Document" r:id="rId4" imgW="4400418" imgH="2533650" progId="AcroExch.Document.DC">
+                <p:oleObj spid="_x0000_s2489" name="Acrobat Document" r:id="rId4" imgW="4400418" imgH="2533650" progId="AcroExch.Document.DC">
                   <p:embed/>
                 </p:oleObj>
               </mc:Choice>
@@ -45563,7 +45443,7 @@
           <p:cNvPr id="12" name="TextBox 4">
             <a:extLst>
               <a:ext uri="{FF2B5EF4-FFF2-40B4-BE49-F238E27FC236}">
-                <a16:creationId xmlns:a16="http://schemas.microsoft.com/office/drawing/2014/main" xmlns="" id="{7766E6A1-F555-481A-B6B8-EF3975D98281}"/>
+                <a16:creationId xmlns="" xmlns:a16="http://schemas.microsoft.com/office/drawing/2014/main" id="{7766E6A1-F555-481A-B6B8-EF3975D98281}"/>
               </a:ext>
             </a:extLst>
           </p:cNvPr>
@@ -45572,8 +45452,8 @@
         </p:nvSpPr>
         <p:spPr>
           <a:xfrm>
-            <a:off x="306372" y="6305583"/>
-            <a:ext cx="9743200" cy="584775"/>
+            <a:off x="306371" y="6305583"/>
+            <a:ext cx="10063113" cy="584775"/>
           </a:xfrm>
           <a:prstGeom prst="rect">
             <a:avLst/>
@@ -45738,7 +45618,7 @@
             </a:r>
             <a:r>
               <a:rPr lang="en-US" sz="1600" i="1" dirty="0" smtClean="0"/>
-              <a:t>); partially supported by the </a:t>
+              <a:t>); partially supported by </a:t>
             </a:r>
             <a:r>
               <a:rPr lang="en-US" sz="1600" i="1" dirty="0" err="1" smtClean="0"/>
@@ -45746,7 +45626,11 @@
             </a:r>
             <a:r>
               <a:rPr lang="en-US" sz="1600" i="1" dirty="0" smtClean="0"/>
-              <a:t> (</a:t>
+              <a:t> </a:t>
+            </a:r>
+            <a:r>
+              <a:rPr lang="en-US" sz="1600" i="1" dirty="0" smtClean="0"/>
+              <a:t>(</a:t>
             </a:r>
             <a:r>
               <a:rPr lang="en-US" sz="1600" i="1" dirty="0" err="1" smtClean="0"/>
@@ -45754,7 +45638,23 @@
             </a:r>
             <a:r>
               <a:rPr lang="en-US" sz="1600" i="1" dirty="0" smtClean="0"/>
-              <a:t>, project no. 104924 and </a:t>
+              <a:t>, project no. </a:t>
+            </a:r>
+            <a:r>
+              <a:rPr lang="en-US" sz="1600" i="1" dirty="0" smtClean="0"/>
+              <a:t>104924</a:t>
+            </a:r>
+            <a:r>
+              <a:rPr lang="cs-CZ" sz="1600" i="1" smtClean="0"/>
+              <a:t>,</a:t>
+            </a:r>
+            <a:r>
+              <a:rPr lang="en-US" sz="1600" i="1" smtClean="0"/>
+              <a:t> </a:t>
+            </a:r>
+            <a:r>
+              <a:rPr lang="en-US" sz="1600" i="1" dirty="0" smtClean="0"/>
+              <a:t>and </a:t>
             </a:r>
             <a:r>
               <a:rPr lang="en-US" sz="1600" i="1" dirty="0" err="1" smtClean="0"/>
@@ -45810,7 +45710,7 @@
           <p:cNvPr id="4" name="TextBox 3">
             <a:extLst>
               <a:ext uri="{FF2B5EF4-FFF2-40B4-BE49-F238E27FC236}">
-                <a16:creationId xmlns:a16="http://schemas.microsoft.com/office/drawing/2014/main" xmlns="" id="{52CE12FA-7AF9-4E51-83C2-E9B71C9AB665}"/>
+                <a16:creationId xmlns="" xmlns:a16="http://schemas.microsoft.com/office/drawing/2014/main" id="{52CE12FA-7AF9-4E51-83C2-E9B71C9AB665}"/>
               </a:ext>
             </a:extLst>
           </p:cNvPr>
@@ -45894,7 +45794,7 @@
           <p:cNvPr id="5" name="Straight Arrow Connector 4">
             <a:extLst>
               <a:ext uri="{FF2B5EF4-FFF2-40B4-BE49-F238E27FC236}">
-                <a16:creationId xmlns:a16="http://schemas.microsoft.com/office/drawing/2014/main" xmlns="" id="{22FC2CFE-A0A1-42EA-B6BE-CD766B62709A}"/>
+                <a16:creationId xmlns="" xmlns:a16="http://schemas.microsoft.com/office/drawing/2014/main" id="{22FC2CFE-A0A1-42EA-B6BE-CD766B62709A}"/>
               </a:ext>
             </a:extLst>
           </p:cNvPr>
@@ -45935,7 +45835,7 @@
           <p:cNvPr id="2" name="Title 1">
             <a:extLst>
               <a:ext uri="{FF2B5EF4-FFF2-40B4-BE49-F238E27FC236}">
-                <a16:creationId xmlns:a16="http://schemas.microsoft.com/office/drawing/2014/main" xmlns="" id="{B0F156AD-301E-4427-9FE2-B418C609B403}"/>
+                <a16:creationId xmlns="" xmlns:a16="http://schemas.microsoft.com/office/drawing/2014/main" id="{B0F156AD-301E-4427-9FE2-B418C609B403}"/>
               </a:ext>
             </a:extLst>
           </p:cNvPr>
@@ -45987,7 +45887,7 @@
           <p:cNvPr id="3" name="Content Placeholder 2">
             <a:extLst>
               <a:ext uri="{FF2B5EF4-FFF2-40B4-BE49-F238E27FC236}">
-                <a16:creationId xmlns:a16="http://schemas.microsoft.com/office/drawing/2014/main" xmlns="" id="{A66B41CA-B924-43B7-B1E0-0509271D70B9}"/>
+                <a16:creationId xmlns="" xmlns:a16="http://schemas.microsoft.com/office/drawing/2014/main" id="{A66B41CA-B924-43B7-B1E0-0509271D70B9}"/>
               </a:ext>
             </a:extLst>
           </p:cNvPr>
@@ -46461,7 +46361,7 @@
           <p:cNvPr id="7" name="Picture 5">
             <a:extLst>
               <a:ext uri="{FF2B5EF4-FFF2-40B4-BE49-F238E27FC236}">
-                <a16:creationId xmlns:a16="http://schemas.microsoft.com/office/drawing/2014/main" xmlns="" id="{9B4E72B6-A598-45FF-86A3-C5E240FD0394}"/>
+                <a16:creationId xmlns="" xmlns:a16="http://schemas.microsoft.com/office/drawing/2014/main" id="{9B4E72B6-A598-45FF-86A3-C5E240FD0394}"/>
               </a:ext>
             </a:extLst>
           </p:cNvPr>
@@ -46537,7 +46437,7 @@
           <p:cNvPr id="8" name="Content Placeholder 2">
             <a:extLst>
               <a:ext uri="{FF2B5EF4-FFF2-40B4-BE49-F238E27FC236}">
-                <a16:creationId xmlns:a16="http://schemas.microsoft.com/office/drawing/2014/main" xmlns="" id="{A66B41CA-B924-43B7-B1E0-0509271D70B9}"/>
+                <a16:creationId xmlns="" xmlns:a16="http://schemas.microsoft.com/office/drawing/2014/main" id="{A66B41CA-B924-43B7-B1E0-0509271D70B9}"/>
               </a:ext>
             </a:extLst>
           </p:cNvPr>
@@ -47354,7 +47254,7 @@
           <p:cNvPr id="4" name="TextBox 3">
             <a:extLst>
               <a:ext uri="{FF2B5EF4-FFF2-40B4-BE49-F238E27FC236}">
-                <a16:creationId xmlns:a16="http://schemas.microsoft.com/office/drawing/2014/main" xmlns="" id="{52CE12FA-7AF9-4E51-83C2-E9B71C9AB665}"/>
+                <a16:creationId xmlns="" xmlns:a16="http://schemas.microsoft.com/office/drawing/2014/main" id="{52CE12FA-7AF9-4E51-83C2-E9B71C9AB665}"/>
               </a:ext>
             </a:extLst>
           </p:cNvPr>
@@ -47438,7 +47338,7 @@
           <p:cNvPr id="5" name="Straight Arrow Connector 4">
             <a:extLst>
               <a:ext uri="{FF2B5EF4-FFF2-40B4-BE49-F238E27FC236}">
-                <a16:creationId xmlns:a16="http://schemas.microsoft.com/office/drawing/2014/main" xmlns="" id="{22FC2CFE-A0A1-42EA-B6BE-CD766B62709A}"/>
+                <a16:creationId xmlns="" xmlns:a16="http://schemas.microsoft.com/office/drawing/2014/main" id="{22FC2CFE-A0A1-42EA-B6BE-CD766B62709A}"/>
               </a:ext>
             </a:extLst>
           </p:cNvPr>
@@ -47479,7 +47379,7 @@
           <p:cNvPr id="2" name="Title 1">
             <a:extLst>
               <a:ext uri="{FF2B5EF4-FFF2-40B4-BE49-F238E27FC236}">
-                <a16:creationId xmlns:a16="http://schemas.microsoft.com/office/drawing/2014/main" xmlns="" id="{B0F156AD-301E-4427-9FE2-B418C609B403}"/>
+                <a16:creationId xmlns="" xmlns:a16="http://schemas.microsoft.com/office/drawing/2014/main" id="{B0F156AD-301E-4427-9FE2-B418C609B403}"/>
               </a:ext>
             </a:extLst>
           </p:cNvPr>
@@ -47531,7 +47431,7 @@
           <p:cNvPr id="3" name="Content Placeholder 2">
             <a:extLst>
               <a:ext uri="{FF2B5EF4-FFF2-40B4-BE49-F238E27FC236}">
-                <a16:creationId xmlns:a16="http://schemas.microsoft.com/office/drawing/2014/main" xmlns="" id="{A66B41CA-B924-43B7-B1E0-0509271D70B9}"/>
+                <a16:creationId xmlns="" xmlns:a16="http://schemas.microsoft.com/office/drawing/2014/main" id="{A66B41CA-B924-43B7-B1E0-0509271D70B9}"/>
               </a:ext>
             </a:extLst>
           </p:cNvPr>
@@ -48208,7 +48108,7 @@
           <p:cNvPr id="7" name="Picture 5">
             <a:extLst>
               <a:ext uri="{FF2B5EF4-FFF2-40B4-BE49-F238E27FC236}">
-                <a16:creationId xmlns:a16="http://schemas.microsoft.com/office/drawing/2014/main" xmlns="" id="{9B4E72B6-A598-45FF-86A3-C5E240FD0394}"/>
+                <a16:creationId xmlns="" xmlns:a16="http://schemas.microsoft.com/office/drawing/2014/main" id="{9B4E72B6-A598-45FF-86A3-C5E240FD0394}"/>
               </a:ext>
             </a:extLst>
           </p:cNvPr>
@@ -48286,7 +48186,7 @@
           <p:cNvPr id="8" name="Content Placeholder 2">
             <a:extLst>
               <a:ext uri="{FF2B5EF4-FFF2-40B4-BE49-F238E27FC236}">
-                <a16:creationId xmlns:a16="http://schemas.microsoft.com/office/drawing/2014/main" xmlns="" id="{A66B41CA-B924-43B7-B1E0-0509271D70B9}"/>
+                <a16:creationId xmlns="" xmlns:a16="http://schemas.microsoft.com/office/drawing/2014/main" id="{A66B41CA-B924-43B7-B1E0-0509271D70B9}"/>
               </a:ext>
             </a:extLst>
           </p:cNvPr>
@@ -49226,7 +49126,7 @@
           <p:cNvPr id="5" name="Content Placeholder 2">
             <a:extLst>
               <a:ext uri="{FF2B5EF4-FFF2-40B4-BE49-F238E27FC236}">
-                <a16:creationId xmlns:a16="http://schemas.microsoft.com/office/drawing/2014/main" xmlns="" id="{A66B41CA-B924-43B7-B1E0-0509271D70B9}"/>
+                <a16:creationId xmlns="" xmlns:a16="http://schemas.microsoft.com/office/drawing/2014/main" id="{A66B41CA-B924-43B7-B1E0-0509271D70B9}"/>
               </a:ext>
             </a:extLst>
           </p:cNvPr>
@@ -49494,7 +49394,7 @@
           <a:graphicData uri="http://schemas.openxmlformats.org/presentationml/2006/ole">
             <mc:AlternateContent xmlns:mc="http://schemas.openxmlformats.org/markup-compatibility/2006">
               <mc:Choice xmlns:v="urn:schemas-microsoft-com:vml" Requires="v">
-                <p:oleObj spid="_x0000_s3211" name="Acrobat Document" r:id="rId3" imgW="11159640" imgH="6220800" progId="AcroExch.Document.DC">
+                <p:oleObj spid="_x0000_s3214" name="Acrobat Document" r:id="rId3" imgW="11159640" imgH="6220800" progId="AcroExch.Document.DC">
                   <p:embed/>
                 </p:oleObj>
               </mc:Choice>
@@ -49761,7 +49661,7 @@
           <p:cNvPr id="4" name="Content Placeholder 2">
             <a:extLst>
               <a:ext uri="{FF2B5EF4-FFF2-40B4-BE49-F238E27FC236}">
-                <a16:creationId xmlns:a16="http://schemas.microsoft.com/office/drawing/2014/main" xmlns="" id="{A66B41CA-B924-43B7-B1E0-0509271D70B9}"/>
+                <a16:creationId xmlns="" xmlns:a16="http://schemas.microsoft.com/office/drawing/2014/main" id="{A66B41CA-B924-43B7-B1E0-0509271D70B9}"/>
               </a:ext>
             </a:extLst>
           </p:cNvPr>
@@ -50299,7 +50199,7 @@
           <p:cNvPr id="4" name="Content Placeholder 2">
             <a:extLst>
               <a:ext uri="{FF2B5EF4-FFF2-40B4-BE49-F238E27FC236}">
-                <a16:creationId xmlns:a16="http://schemas.microsoft.com/office/drawing/2014/main" xmlns="" id="{A66B41CA-B924-43B7-B1E0-0509271D70B9}"/>
+                <a16:creationId xmlns="" xmlns:a16="http://schemas.microsoft.com/office/drawing/2014/main" id="{A66B41CA-B924-43B7-B1E0-0509271D70B9}"/>
               </a:ext>
             </a:extLst>
           </p:cNvPr>
@@ -50964,7 +50864,7 @@
           <p:cNvPr id="7" name="Picture 5">
             <a:extLst>
               <a:ext uri="{FF2B5EF4-FFF2-40B4-BE49-F238E27FC236}">
-                <a16:creationId xmlns:a16="http://schemas.microsoft.com/office/drawing/2014/main" xmlns="" id="{9B4E72B6-A598-45FF-86A3-C5E240FD0394}"/>
+                <a16:creationId xmlns="" xmlns:a16="http://schemas.microsoft.com/office/drawing/2014/main" id="{9B4E72B6-A598-45FF-86A3-C5E240FD0394}"/>
               </a:ext>
             </a:extLst>
           </p:cNvPr>
@@ -51008,7 +50908,7 @@
             <p:cNvPr id="10" name="TextBox 9">
               <a:extLst>
                 <a:ext uri="{FF2B5EF4-FFF2-40B4-BE49-F238E27FC236}">
-                  <a16:creationId xmlns:a16="http://schemas.microsoft.com/office/drawing/2014/main" xmlns="" id="{52CE12FA-7AF9-4E51-83C2-E9B71C9AB665}"/>
+                  <a16:creationId xmlns="" xmlns:a16="http://schemas.microsoft.com/office/drawing/2014/main" id="{52CE12FA-7AF9-4E51-83C2-E9B71C9AB665}"/>
                 </a:ext>
               </a:extLst>
             </p:cNvPr>
@@ -51092,7 +50992,7 @@
             <p:cNvPr id="14" name="Straight Arrow Connector 13">
               <a:extLst>
                 <a:ext uri="{FF2B5EF4-FFF2-40B4-BE49-F238E27FC236}">
-                  <a16:creationId xmlns:a16="http://schemas.microsoft.com/office/drawing/2014/main" xmlns="" id="{22FC2CFE-A0A1-42EA-B6BE-CD766B62709A}"/>
+                  <a16:creationId xmlns="" xmlns:a16="http://schemas.microsoft.com/office/drawing/2014/main" id="{22FC2CFE-A0A1-42EA-B6BE-CD766B62709A}"/>
                 </a:ext>
               </a:extLst>
             </p:cNvPr>
@@ -51134,7 +51034,7 @@
           <p:cNvPr id="11" name="Title 1">
             <a:extLst>
               <a:ext uri="{FF2B5EF4-FFF2-40B4-BE49-F238E27FC236}">
-                <a16:creationId xmlns:a16="http://schemas.microsoft.com/office/drawing/2014/main" xmlns="" id="{B0F156AD-301E-4427-9FE2-B418C609B403}"/>
+                <a16:creationId xmlns="" xmlns:a16="http://schemas.microsoft.com/office/drawing/2014/main" id="{B0F156AD-301E-4427-9FE2-B418C609B403}"/>
               </a:ext>
             </a:extLst>
           </p:cNvPr>
@@ -51254,7 +51154,7 @@
           <p:cNvPr id="15" name="Content Placeholder 2">
             <a:extLst>
               <a:ext uri="{FF2B5EF4-FFF2-40B4-BE49-F238E27FC236}">
-                <a16:creationId xmlns:a16="http://schemas.microsoft.com/office/drawing/2014/main" xmlns="" id="{A66B41CA-B924-43B7-B1E0-0509271D70B9}"/>
+                <a16:creationId xmlns="" xmlns:a16="http://schemas.microsoft.com/office/drawing/2014/main" id="{A66B41CA-B924-43B7-B1E0-0509271D70B9}"/>
               </a:ext>
             </a:extLst>
           </p:cNvPr>
@@ -51794,7 +51694,7 @@
   <a:extraClrSchemeLst/>
   <a:extLst>
     <a:ext uri="{05A4C25C-085E-4340-85A3-A5531E510DB2}">
-      <thm15:themeFamily xmlns="" xmlns:thm15="http://schemas.microsoft.com/office/thememl/2012/main" name="Office Theme" id="{62F939B6-93AF-4DB8-9C6B-D6C7DFDC589F}" vid="{4A3C46E8-61CC-4603-A589-7422A47A8E4A}"/>
+      <thm15:themeFamily xmlns:thm15="http://schemas.microsoft.com/office/thememl/2012/main" xmlns="" name="Office Theme" id="{62F939B6-93AF-4DB8-9C6B-D6C7DFDC589F}" vid="{4A3C46E8-61CC-4603-A589-7422A47A8E4A}"/>
     </a:ext>
   </a:extLst>
 </a:theme>
@@ -52055,7 +51955,7 @@
   <a:extraClrSchemeLst/>
   <a:extLst>
     <a:ext uri="{05A4C25C-085E-4340-85A3-A5531E510DB2}">
-      <thm15:themeFamily xmlns="" xmlns:thm15="http://schemas.microsoft.com/office/thememl/2012/main" name="Office Theme" id="{62F939B6-93AF-4DB8-9C6B-D6C7DFDC589F}" vid="{4A3C46E8-61CC-4603-A589-7422A47A8E4A}"/>
+      <thm15:themeFamily xmlns:thm15="http://schemas.microsoft.com/office/thememl/2012/main" xmlns="" name="Office Theme" id="{62F939B6-93AF-4DB8-9C6B-D6C7DFDC589F}" vid="{4A3C46E8-61CC-4603-A589-7422A47A8E4A}"/>
     </a:ext>
   </a:extLst>
 </a:theme>
